--- a/PPT/发布与部署.pptx
+++ b/PPT/发布与部署.pptx
@@ -5,26 +5,30 @@
     <p:sldMasterId id="2147483648" r:id="rId1"/>
   </p:sldMasterIdLst>
   <p:notesMasterIdLst>
-    <p:notesMasterId r:id="rId16"/>
+    <p:notesMasterId r:id="rId20"/>
   </p:notesMasterIdLst>
   <p:handoutMasterIdLst>
-    <p:handoutMasterId r:id="rId17"/>
+    <p:handoutMasterId r:id="rId21"/>
   </p:handoutMasterIdLst>
   <p:sldIdLst>
     <p:sldId id="256" r:id="rId2"/>
     <p:sldId id="310" r:id="rId3"/>
-    <p:sldId id="313" r:id="rId4"/>
-    <p:sldId id="316" r:id="rId5"/>
-    <p:sldId id="323" r:id="rId6"/>
-    <p:sldId id="314" r:id="rId7"/>
-    <p:sldId id="315" r:id="rId8"/>
-    <p:sldId id="317" r:id="rId9"/>
-    <p:sldId id="318" r:id="rId10"/>
-    <p:sldId id="319" r:id="rId11"/>
-    <p:sldId id="320" r:id="rId12"/>
-    <p:sldId id="321" r:id="rId13"/>
-    <p:sldId id="322" r:id="rId14"/>
-    <p:sldId id="288" r:id="rId15"/>
+    <p:sldId id="324" r:id="rId4"/>
+    <p:sldId id="325" r:id="rId5"/>
+    <p:sldId id="326" r:id="rId6"/>
+    <p:sldId id="327" r:id="rId7"/>
+    <p:sldId id="313" r:id="rId8"/>
+    <p:sldId id="316" r:id="rId9"/>
+    <p:sldId id="323" r:id="rId10"/>
+    <p:sldId id="314" r:id="rId11"/>
+    <p:sldId id="315" r:id="rId12"/>
+    <p:sldId id="317" r:id="rId13"/>
+    <p:sldId id="318" r:id="rId14"/>
+    <p:sldId id="319" r:id="rId15"/>
+    <p:sldId id="320" r:id="rId16"/>
+    <p:sldId id="321" r:id="rId17"/>
+    <p:sldId id="322" r:id="rId18"/>
+    <p:sldId id="288" r:id="rId19"/>
   </p:sldIdLst>
   <p:sldSz cx="9144000" cy="5143500" type="screen16x9"/>
   <p:notesSz cx="6858000" cy="9144000"/>
@@ -130,6 +134,10 @@
           <p14:sldIdLst>
             <p14:sldId id="256"/>
             <p14:sldId id="310"/>
+            <p14:sldId id="324"/>
+            <p14:sldId id="325"/>
+            <p14:sldId id="326"/>
+            <p14:sldId id="327"/>
             <p14:sldId id="313"/>
             <p14:sldId id="316"/>
             <p14:sldId id="323"/>
@@ -246,7 +254,7 @@
           <a:p>
             <a:fld id="{0F9B84EA-7D68-4D60-9CB1-D50884785D1C}" type="datetimeFigureOut">
               <a:rPr lang="zh-CN" altLang="en-US" smtClean="0"/>
-              <a:t>2020/5/28</a:t>
+              <a:t>2020/5/29</a:t>
             </a:fld>
             <a:endParaRPr lang="zh-CN" altLang="en-US"/>
           </a:p>
@@ -406,7 +414,7 @@
           <a:p>
             <a:fld id="{D2A48B96-639E-45A3-A0BA-2464DFDB1FAA}" type="datetimeFigureOut">
               <a:rPr lang="zh-CN" altLang="en-US" smtClean="0"/>
-              <a:t>2020/5/28</a:t>
+              <a:t>2020/5/29</a:t>
             </a:fld>
             <a:endParaRPr lang="zh-CN" altLang="en-US"/>
           </a:p>
@@ -819,11 +827,6 @@
         </p:txBody>
       </p:sp>
     </p:spTree>
-    <p:extLst>
-      <p:ext uri="{BB962C8B-B14F-4D97-AF65-F5344CB8AC3E}">
-        <p14:creationId xmlns:p14="http://schemas.microsoft.com/office/powerpoint/2010/main" val="3673207095"/>
-      </p:ext>
-    </p:extLst>
   </p:cSld>
   <p:clrMapOvr>
     <a:masterClrMapping/>
@@ -903,11 +906,6 @@
         </p:txBody>
       </p:sp>
     </p:spTree>
-    <p:extLst>
-      <p:ext uri="{BB962C8B-B14F-4D97-AF65-F5344CB8AC3E}">
-        <p14:creationId xmlns:p14="http://schemas.microsoft.com/office/powerpoint/2010/main" val="1150051579"/>
-      </p:ext>
-    </p:extLst>
   </p:cSld>
   <p:clrMapOvr>
     <a:masterClrMapping/>
@@ -987,11 +985,6 @@
         </p:txBody>
       </p:sp>
     </p:spTree>
-    <p:extLst>
-      <p:ext uri="{BB962C8B-B14F-4D97-AF65-F5344CB8AC3E}">
-        <p14:creationId xmlns:p14="http://schemas.microsoft.com/office/powerpoint/2010/main" val="1822311875"/>
-      </p:ext>
-    </p:extLst>
   </p:cSld>
   <p:clrMapOvr>
     <a:masterClrMapping/>
@@ -1071,11 +1064,6 @@
         </p:txBody>
       </p:sp>
     </p:spTree>
-    <p:extLst>
-      <p:ext uri="{BB962C8B-B14F-4D97-AF65-F5344CB8AC3E}">
-        <p14:creationId xmlns:p14="http://schemas.microsoft.com/office/powerpoint/2010/main" val="865154158"/>
-      </p:ext>
-    </p:extLst>
   </p:cSld>
   <p:clrMapOvr>
     <a:masterClrMapping/>
@@ -1149,6 +1137,342 @@
             <a:fld id="{A6837353-30EB-4A48-80EB-173D804AEFBD}" type="slidenum">
               <a:rPr lang="zh-CN" altLang="en-US" smtClean="0"/>
               <a:t>14</a:t>
+            </a:fld>
+            <a:endParaRPr lang="zh-CN" altLang="en-US"/>
+          </a:p>
+        </p:txBody>
+      </p:sp>
+    </p:spTree>
+    <p:extLst>
+      <p:ext uri="{BB962C8B-B14F-4D97-AF65-F5344CB8AC3E}">
+        <p14:creationId xmlns:p14="http://schemas.microsoft.com/office/powerpoint/2010/main" val="3673207095"/>
+      </p:ext>
+    </p:extLst>
+  </p:cSld>
+  <p:clrMapOvr>
+    <a:masterClrMapping/>
+  </p:clrMapOvr>
+</p:notes>
+</file>
+
+<file path=ppt/notesSlides/notesSlide15.xml><?xml version="1.0" encoding="utf-8"?>
+<p:notes xmlns:a="http://schemas.openxmlformats.org/drawingml/2006/main" xmlns:r="http://schemas.openxmlformats.org/officeDocument/2006/relationships" xmlns:p="http://schemas.openxmlformats.org/presentationml/2006/main">
+  <p:cSld>
+    <p:spTree>
+      <p:nvGrpSpPr>
+        <p:cNvPr id="1" name=""/>
+        <p:cNvGrpSpPr/>
+        <p:nvPr/>
+      </p:nvGrpSpPr>
+      <p:grpSpPr>
+        <a:xfrm>
+          <a:off x="0" y="0"/>
+          <a:ext cx="0" cy="0"/>
+          <a:chOff x="0" y="0"/>
+          <a:chExt cx="0" cy="0"/>
+        </a:xfrm>
+      </p:grpSpPr>
+      <p:sp>
+        <p:nvSpPr>
+          <p:cNvPr id="2" name="幻灯片图像占位符 1"/>
+          <p:cNvSpPr>
+            <a:spLocks noGrp="1" noRot="1" noChangeAspect="1"/>
+          </p:cNvSpPr>
+          <p:nvPr>
+            <p:ph type="sldImg"/>
+          </p:nvPr>
+        </p:nvSpPr>
+        <p:spPr/>
+      </p:sp>
+      <p:sp>
+        <p:nvSpPr>
+          <p:cNvPr id="3" name="备注占位符 2"/>
+          <p:cNvSpPr>
+            <a:spLocks noGrp="1"/>
+          </p:cNvSpPr>
+          <p:nvPr>
+            <p:ph type="body" idx="1"/>
+          </p:nvPr>
+        </p:nvSpPr>
+        <p:spPr/>
+        <p:txBody>
+          <a:bodyPr/>
+          <a:lstStyle/>
+          <a:p>
+            <a:endParaRPr lang="zh-CN" altLang="en-US"/>
+          </a:p>
+        </p:txBody>
+      </p:sp>
+      <p:sp>
+        <p:nvSpPr>
+          <p:cNvPr id="4" name="灯片编号占位符 3"/>
+          <p:cNvSpPr>
+            <a:spLocks noGrp="1"/>
+          </p:cNvSpPr>
+          <p:nvPr>
+            <p:ph type="sldNum" sz="quarter" idx="10"/>
+          </p:nvPr>
+        </p:nvSpPr>
+        <p:spPr/>
+        <p:txBody>
+          <a:bodyPr/>
+          <a:lstStyle/>
+          <a:p>
+            <a:fld id="{A6837353-30EB-4A48-80EB-173D804AEFBD}" type="slidenum">
+              <a:rPr lang="zh-CN" altLang="en-US" smtClean="0"/>
+              <a:t>15</a:t>
+            </a:fld>
+            <a:endParaRPr lang="zh-CN" altLang="en-US"/>
+          </a:p>
+        </p:txBody>
+      </p:sp>
+    </p:spTree>
+    <p:extLst>
+      <p:ext uri="{BB962C8B-B14F-4D97-AF65-F5344CB8AC3E}">
+        <p14:creationId xmlns:p14="http://schemas.microsoft.com/office/powerpoint/2010/main" val="1150051579"/>
+      </p:ext>
+    </p:extLst>
+  </p:cSld>
+  <p:clrMapOvr>
+    <a:masterClrMapping/>
+  </p:clrMapOvr>
+</p:notes>
+</file>
+
+<file path=ppt/notesSlides/notesSlide16.xml><?xml version="1.0" encoding="utf-8"?>
+<p:notes xmlns:a="http://schemas.openxmlformats.org/drawingml/2006/main" xmlns:r="http://schemas.openxmlformats.org/officeDocument/2006/relationships" xmlns:p="http://schemas.openxmlformats.org/presentationml/2006/main">
+  <p:cSld>
+    <p:spTree>
+      <p:nvGrpSpPr>
+        <p:cNvPr id="1" name=""/>
+        <p:cNvGrpSpPr/>
+        <p:nvPr/>
+      </p:nvGrpSpPr>
+      <p:grpSpPr>
+        <a:xfrm>
+          <a:off x="0" y="0"/>
+          <a:ext cx="0" cy="0"/>
+          <a:chOff x="0" y="0"/>
+          <a:chExt cx="0" cy="0"/>
+        </a:xfrm>
+      </p:grpSpPr>
+      <p:sp>
+        <p:nvSpPr>
+          <p:cNvPr id="2" name="幻灯片图像占位符 1"/>
+          <p:cNvSpPr>
+            <a:spLocks noGrp="1" noRot="1" noChangeAspect="1"/>
+          </p:cNvSpPr>
+          <p:nvPr>
+            <p:ph type="sldImg"/>
+          </p:nvPr>
+        </p:nvSpPr>
+        <p:spPr/>
+      </p:sp>
+      <p:sp>
+        <p:nvSpPr>
+          <p:cNvPr id="3" name="备注占位符 2"/>
+          <p:cNvSpPr>
+            <a:spLocks noGrp="1"/>
+          </p:cNvSpPr>
+          <p:nvPr>
+            <p:ph type="body" idx="1"/>
+          </p:nvPr>
+        </p:nvSpPr>
+        <p:spPr/>
+        <p:txBody>
+          <a:bodyPr/>
+          <a:lstStyle/>
+          <a:p>
+            <a:endParaRPr lang="zh-CN" altLang="en-US"/>
+          </a:p>
+        </p:txBody>
+      </p:sp>
+      <p:sp>
+        <p:nvSpPr>
+          <p:cNvPr id="4" name="灯片编号占位符 3"/>
+          <p:cNvSpPr>
+            <a:spLocks noGrp="1"/>
+          </p:cNvSpPr>
+          <p:nvPr>
+            <p:ph type="sldNum" sz="quarter" idx="10"/>
+          </p:nvPr>
+        </p:nvSpPr>
+        <p:spPr/>
+        <p:txBody>
+          <a:bodyPr/>
+          <a:lstStyle/>
+          <a:p>
+            <a:fld id="{A6837353-30EB-4A48-80EB-173D804AEFBD}" type="slidenum">
+              <a:rPr lang="zh-CN" altLang="en-US" smtClean="0"/>
+              <a:t>16</a:t>
+            </a:fld>
+            <a:endParaRPr lang="zh-CN" altLang="en-US"/>
+          </a:p>
+        </p:txBody>
+      </p:sp>
+    </p:spTree>
+    <p:extLst>
+      <p:ext uri="{BB962C8B-B14F-4D97-AF65-F5344CB8AC3E}">
+        <p14:creationId xmlns:p14="http://schemas.microsoft.com/office/powerpoint/2010/main" val="1822311875"/>
+      </p:ext>
+    </p:extLst>
+  </p:cSld>
+  <p:clrMapOvr>
+    <a:masterClrMapping/>
+  </p:clrMapOvr>
+</p:notes>
+</file>
+
+<file path=ppt/notesSlides/notesSlide17.xml><?xml version="1.0" encoding="utf-8"?>
+<p:notes xmlns:a="http://schemas.openxmlformats.org/drawingml/2006/main" xmlns:r="http://schemas.openxmlformats.org/officeDocument/2006/relationships" xmlns:p="http://schemas.openxmlformats.org/presentationml/2006/main">
+  <p:cSld>
+    <p:spTree>
+      <p:nvGrpSpPr>
+        <p:cNvPr id="1" name=""/>
+        <p:cNvGrpSpPr/>
+        <p:nvPr/>
+      </p:nvGrpSpPr>
+      <p:grpSpPr>
+        <a:xfrm>
+          <a:off x="0" y="0"/>
+          <a:ext cx="0" cy="0"/>
+          <a:chOff x="0" y="0"/>
+          <a:chExt cx="0" cy="0"/>
+        </a:xfrm>
+      </p:grpSpPr>
+      <p:sp>
+        <p:nvSpPr>
+          <p:cNvPr id="2" name="幻灯片图像占位符 1"/>
+          <p:cNvSpPr>
+            <a:spLocks noGrp="1" noRot="1" noChangeAspect="1"/>
+          </p:cNvSpPr>
+          <p:nvPr>
+            <p:ph type="sldImg"/>
+          </p:nvPr>
+        </p:nvSpPr>
+        <p:spPr/>
+      </p:sp>
+      <p:sp>
+        <p:nvSpPr>
+          <p:cNvPr id="3" name="备注占位符 2"/>
+          <p:cNvSpPr>
+            <a:spLocks noGrp="1"/>
+          </p:cNvSpPr>
+          <p:nvPr>
+            <p:ph type="body" idx="1"/>
+          </p:nvPr>
+        </p:nvSpPr>
+        <p:spPr/>
+        <p:txBody>
+          <a:bodyPr/>
+          <a:lstStyle/>
+          <a:p>
+            <a:endParaRPr lang="zh-CN" altLang="en-US"/>
+          </a:p>
+        </p:txBody>
+      </p:sp>
+      <p:sp>
+        <p:nvSpPr>
+          <p:cNvPr id="4" name="灯片编号占位符 3"/>
+          <p:cNvSpPr>
+            <a:spLocks noGrp="1"/>
+          </p:cNvSpPr>
+          <p:nvPr>
+            <p:ph type="sldNum" sz="quarter" idx="10"/>
+          </p:nvPr>
+        </p:nvSpPr>
+        <p:spPr/>
+        <p:txBody>
+          <a:bodyPr/>
+          <a:lstStyle/>
+          <a:p>
+            <a:fld id="{A6837353-30EB-4A48-80EB-173D804AEFBD}" type="slidenum">
+              <a:rPr lang="zh-CN" altLang="en-US" smtClean="0"/>
+              <a:t>17</a:t>
+            </a:fld>
+            <a:endParaRPr lang="zh-CN" altLang="en-US"/>
+          </a:p>
+        </p:txBody>
+      </p:sp>
+    </p:spTree>
+    <p:extLst>
+      <p:ext uri="{BB962C8B-B14F-4D97-AF65-F5344CB8AC3E}">
+        <p14:creationId xmlns:p14="http://schemas.microsoft.com/office/powerpoint/2010/main" val="865154158"/>
+      </p:ext>
+    </p:extLst>
+  </p:cSld>
+  <p:clrMapOvr>
+    <a:masterClrMapping/>
+  </p:clrMapOvr>
+</p:notes>
+</file>
+
+<file path=ppt/notesSlides/notesSlide18.xml><?xml version="1.0" encoding="utf-8"?>
+<p:notes xmlns:a="http://schemas.openxmlformats.org/drawingml/2006/main" xmlns:r="http://schemas.openxmlformats.org/officeDocument/2006/relationships" xmlns:p="http://schemas.openxmlformats.org/presentationml/2006/main">
+  <p:cSld>
+    <p:spTree>
+      <p:nvGrpSpPr>
+        <p:cNvPr id="1" name=""/>
+        <p:cNvGrpSpPr/>
+        <p:nvPr/>
+      </p:nvGrpSpPr>
+      <p:grpSpPr>
+        <a:xfrm>
+          <a:off x="0" y="0"/>
+          <a:ext cx="0" cy="0"/>
+          <a:chOff x="0" y="0"/>
+          <a:chExt cx="0" cy="0"/>
+        </a:xfrm>
+      </p:grpSpPr>
+      <p:sp>
+        <p:nvSpPr>
+          <p:cNvPr id="2" name="幻灯片图像占位符 1"/>
+          <p:cNvSpPr>
+            <a:spLocks noGrp="1" noRot="1" noChangeAspect="1"/>
+          </p:cNvSpPr>
+          <p:nvPr>
+            <p:ph type="sldImg"/>
+          </p:nvPr>
+        </p:nvSpPr>
+        <p:spPr/>
+      </p:sp>
+      <p:sp>
+        <p:nvSpPr>
+          <p:cNvPr id="3" name="备注占位符 2"/>
+          <p:cNvSpPr>
+            <a:spLocks noGrp="1"/>
+          </p:cNvSpPr>
+          <p:nvPr>
+            <p:ph type="body" idx="1"/>
+          </p:nvPr>
+        </p:nvSpPr>
+        <p:spPr/>
+        <p:txBody>
+          <a:bodyPr/>
+          <a:lstStyle/>
+          <a:p>
+            <a:endParaRPr lang="zh-CN" altLang="en-US"/>
+          </a:p>
+        </p:txBody>
+      </p:sp>
+      <p:sp>
+        <p:nvSpPr>
+          <p:cNvPr id="4" name="灯片编号占位符 3"/>
+          <p:cNvSpPr>
+            <a:spLocks noGrp="1"/>
+          </p:cNvSpPr>
+          <p:nvPr>
+            <p:ph type="sldNum" sz="quarter" idx="10"/>
+          </p:nvPr>
+        </p:nvSpPr>
+        <p:spPr/>
+        <p:txBody>
+          <a:bodyPr/>
+          <a:lstStyle/>
+          <a:p>
+            <a:fld id="{A6837353-30EB-4A48-80EB-173D804AEFBD}" type="slidenum">
+              <a:rPr lang="zh-CN" altLang="en-US" smtClean="0"/>
+              <a:t>18</a:t>
             </a:fld>
             <a:endParaRPr lang="zh-CN" altLang="en-US"/>
           </a:p>
@@ -1313,6 +1637,11 @@
         </p:txBody>
       </p:sp>
     </p:spTree>
+    <p:extLst>
+      <p:ext uri="{BB962C8B-B14F-4D97-AF65-F5344CB8AC3E}">
+        <p14:creationId xmlns:p14="http://schemas.microsoft.com/office/powerpoint/2010/main" val="913568446"/>
+      </p:ext>
+    </p:extLst>
   </p:cSld>
   <p:clrMapOvr>
     <a:masterClrMapping/>
@@ -1392,6 +1721,11 @@
         </p:txBody>
       </p:sp>
     </p:spTree>
+    <p:extLst>
+      <p:ext uri="{BB962C8B-B14F-4D97-AF65-F5344CB8AC3E}">
+        <p14:creationId xmlns:p14="http://schemas.microsoft.com/office/powerpoint/2010/main" val="2267336904"/>
+      </p:ext>
+    </p:extLst>
   </p:cSld>
   <p:clrMapOvr>
     <a:masterClrMapping/>
@@ -1473,7 +1807,7 @@
     </p:spTree>
     <p:extLst>
       <p:ext uri="{BB962C8B-B14F-4D97-AF65-F5344CB8AC3E}">
-        <p14:creationId xmlns:p14="http://schemas.microsoft.com/office/powerpoint/2010/main" val="232899629"/>
+        <p14:creationId xmlns:p14="http://schemas.microsoft.com/office/powerpoint/2010/main" val="1678447186"/>
       </p:ext>
     </p:extLst>
   </p:cSld>
@@ -1555,6 +1889,11 @@
         </p:txBody>
       </p:sp>
     </p:spTree>
+    <p:extLst>
+      <p:ext uri="{BB962C8B-B14F-4D97-AF65-F5344CB8AC3E}">
+        <p14:creationId xmlns:p14="http://schemas.microsoft.com/office/powerpoint/2010/main" val="4285503872"/>
+      </p:ext>
+    </p:extLst>
   </p:cSld>
   <p:clrMapOvr>
     <a:masterClrMapping/>
@@ -1792,6 +2131,11 @@
         </p:txBody>
       </p:sp>
     </p:spTree>
+    <p:extLst>
+      <p:ext uri="{BB962C8B-B14F-4D97-AF65-F5344CB8AC3E}">
+        <p14:creationId xmlns:p14="http://schemas.microsoft.com/office/powerpoint/2010/main" val="232899629"/>
+      </p:ext>
+    </p:extLst>
   </p:cSld>
   <p:clrMapOvr>
     <a:masterClrMapping/>
@@ -1928,7 +2272,7 @@
           <a:p>
             <a:fld id="{82F288E0-7875-42C4-84C8-98DBBD3BF4D2}" type="datetimeFigureOut">
               <a:rPr lang="zh-CN" altLang="en-US" smtClean="0"/>
-              <a:t>2020/5/28</a:t>
+              <a:t>2020/5/29</a:t>
             </a:fld>
             <a:endParaRPr lang="zh-CN" altLang="en-US"/>
           </a:p>
@@ -2074,7 +2418,7 @@
           <a:p>
             <a:fld id="{82F288E0-7875-42C4-84C8-98DBBD3BF4D2}" type="datetimeFigureOut">
               <a:rPr lang="zh-CN" altLang="en-US" smtClean="0"/>
-              <a:t>2020/5/28</a:t>
+              <a:t>2020/5/29</a:t>
             </a:fld>
             <a:endParaRPr lang="zh-CN" altLang="en-US"/>
           </a:p>
@@ -2237,7 +2581,7 @@
           <a:p>
             <a:fld id="{ADD1E814-FE30-446C-9D52-91C2A97CF3DB}" type="datetimeFigureOut">
               <a:rPr lang="zh-CN" altLang="en-US" smtClean="0"/>
-              <a:t>2020/5/28</a:t>
+              <a:t>2020/5/29</a:t>
             </a:fld>
             <a:endParaRPr lang="zh-CN" altLang="en-US"/>
           </a:p>
@@ -2516,7 +2860,7 @@
           <a:p>
             <a:fld id="{82F288E0-7875-42C4-84C8-98DBBD3BF4D2}" type="datetimeFigureOut">
               <a:rPr lang="zh-CN" altLang="en-US" smtClean="0"/>
-              <a:t>2020/5/28</a:t>
+              <a:t>2020/5/29</a:t>
             </a:fld>
             <a:endParaRPr lang="zh-CN" altLang="en-US"/>
           </a:p>
@@ -2740,7 +3084,7 @@
           <a:p>
             <a:fld id="{82F288E0-7875-42C4-84C8-98DBBD3BF4D2}" type="datetimeFigureOut">
               <a:rPr lang="zh-CN" altLang="en-US" smtClean="0"/>
-              <a:t>2020/5/28</a:t>
+              <a:t>2020/5/29</a:t>
             </a:fld>
             <a:endParaRPr lang="zh-CN" altLang="en-US"/>
           </a:p>
@@ -3099,7 +3443,7 @@
           <a:p>
             <a:fld id="{82F288E0-7875-42C4-84C8-98DBBD3BF4D2}" type="datetimeFigureOut">
               <a:rPr lang="zh-CN" altLang="en-US" smtClean="0"/>
-              <a:t>2020/5/28</a:t>
+              <a:t>2020/5/29</a:t>
             </a:fld>
             <a:endParaRPr lang="zh-CN" altLang="en-US"/>
           </a:p>
@@ -3211,7 +3555,7 @@
           <a:p>
             <a:fld id="{82F288E0-7875-42C4-84C8-98DBBD3BF4D2}" type="datetimeFigureOut">
               <a:rPr lang="zh-CN" altLang="en-US" smtClean="0"/>
-              <a:t>2020/5/28</a:t>
+              <a:t>2020/5/29</a:t>
             </a:fld>
             <a:endParaRPr lang="zh-CN" altLang="en-US"/>
           </a:p>
@@ -3301,7 +3645,7 @@
           <a:p>
             <a:fld id="{82F288E0-7875-42C4-84C8-98DBBD3BF4D2}" type="datetimeFigureOut">
               <a:rPr lang="zh-CN" altLang="en-US" smtClean="0"/>
-              <a:t>2020/5/28</a:t>
+              <a:t>2020/5/29</a:t>
             </a:fld>
             <a:endParaRPr lang="zh-CN" altLang="en-US"/>
           </a:p>
@@ -3548,7 +3892,7 @@
           <a:p>
             <a:fld id="{82F288E0-7875-42C4-84C8-98DBBD3BF4D2}" type="datetimeFigureOut">
               <a:rPr lang="zh-CN" altLang="en-US" smtClean="0"/>
-              <a:t>2020/5/28</a:t>
+              <a:t>2020/5/29</a:t>
             </a:fld>
             <a:endParaRPr lang="zh-CN" altLang="en-US"/>
           </a:p>
@@ -3721,7 +4065,7 @@
           <a:p>
             <a:fld id="{82F288E0-7875-42C4-84C8-98DBBD3BF4D2}" type="datetimeFigureOut">
               <a:rPr lang="zh-CN" altLang="en-US" smtClean="0"/>
-              <a:t>2020/5/28</a:t>
+              <a:t>2020/5/29</a:t>
             </a:fld>
             <a:endParaRPr lang="zh-CN" altLang="en-US"/>
           </a:p>
@@ -3932,7 +4276,7 @@
           <a:p>
             <a:fld id="{82F288E0-7875-42C4-84C8-98DBBD3BF4D2}" type="datetimeFigureOut">
               <a:rPr lang="zh-CN" altLang="en-US" smtClean="0"/>
-              <a:t>2020/5/28</a:t>
+              <a:t>2020/5/29</a:t>
             </a:fld>
             <a:endParaRPr lang="zh-CN" altLang="en-US"/>
           </a:p>
@@ -5309,6 +5653,783 @@
             <a:lstStyle/>
             <a:p>
               <a:r>
+                <a:rPr lang="zh-CN" altLang="en-US" sz="1700" b="1" dirty="0">
+                  <a:solidFill>
+                    <a:srgbClr val="1B4367"/>
+                  </a:solidFill>
+                  <a:cs typeface="+mn-ea"/>
+                  <a:sym typeface="+mn-lt"/>
+                </a:rPr>
+                <a:t>用户手册</a:t>
+              </a:r>
+              <a:r>
+                <a:rPr lang="en-US" altLang="zh-CN" sz="1700" b="1" dirty="0">
+                  <a:solidFill>
+                    <a:srgbClr val="1B4367"/>
+                  </a:solidFill>
+                  <a:cs typeface="+mn-ea"/>
+                  <a:sym typeface="+mn-lt"/>
+                </a:rPr>
+                <a:t>/Q&amp;A</a:t>
+              </a:r>
+              <a:endParaRPr lang="zh-CN" altLang="en-US" sz="1700" b="1" dirty="0">
+                <a:solidFill>
+                  <a:srgbClr val="1B4367"/>
+                </a:solidFill>
+                <a:cs typeface="+mn-ea"/>
+                <a:sym typeface="+mn-lt"/>
+              </a:endParaRPr>
+            </a:p>
+          </p:txBody>
+        </p:sp>
+        <p:cxnSp>
+          <p:nvCxnSpPr>
+            <p:cNvPr id="20" name="直接连接符 19"/>
+            <p:cNvCxnSpPr/>
+            <p:nvPr/>
+          </p:nvCxnSpPr>
+          <p:spPr>
+            <a:xfrm>
+              <a:off x="774478" y="657417"/>
+              <a:ext cx="480259" cy="0"/>
+            </a:xfrm>
+            <a:prstGeom prst="line">
+              <a:avLst/>
+            </a:prstGeom>
+            <a:ln w="9525">
+              <a:solidFill>
+                <a:srgbClr val="1B4367"/>
+              </a:solidFill>
+            </a:ln>
+          </p:spPr>
+          <p:style>
+            <a:lnRef idx="1">
+              <a:schemeClr val="accent1"/>
+            </a:lnRef>
+            <a:fillRef idx="0">
+              <a:schemeClr val="accent1"/>
+            </a:fillRef>
+            <a:effectRef idx="0">
+              <a:schemeClr val="accent1"/>
+            </a:effectRef>
+            <a:fontRef idx="minor">
+              <a:schemeClr val="tx1"/>
+            </a:fontRef>
+          </p:style>
+        </p:cxnSp>
+      </p:grpSp>
+      <p:sp>
+        <p:nvSpPr>
+          <p:cNvPr id="28" name="Rectangle 1"/>
+          <p:cNvSpPr>
+            <a:spLocks noChangeArrowheads="1"/>
+          </p:cNvSpPr>
+          <p:nvPr/>
+        </p:nvSpPr>
+        <p:spPr bwMode="auto">
+          <a:xfrm>
+            <a:off x="1301750" y="1368425"/>
+            <a:ext cx="9144000" cy="0"/>
+          </a:xfrm>
+          <a:prstGeom prst="rect">
+            <a:avLst/>
+          </a:prstGeom>
+          <a:noFill/>
+          <a:ln>
+            <a:noFill/>
+          </a:ln>
+          <a:effectLst/>
+          <a:extLst>
+            <a:ext uri="{909E8E84-426E-40DD-AFC4-6F175D3DCCD1}">
+              <a14:hiddenFill xmlns:a14="http://schemas.microsoft.com/office/drawing/2010/main">
+                <a:solidFill>
+                  <a:schemeClr val="accent1"/>
+                </a:solidFill>
+              </a14:hiddenFill>
+            </a:ext>
+            <a:ext uri="{91240B29-F687-4F45-9708-019B960494DF}">
+              <a14:hiddenLine xmlns:a14="http://schemas.microsoft.com/office/drawing/2010/main" w="9525">
+                <a:solidFill>
+                  <a:schemeClr val="tx1"/>
+                </a:solidFill>
+                <a:miter lim="800000"/>
+                <a:headEnd/>
+                <a:tailEnd/>
+              </a14:hiddenLine>
+            </a:ext>
+            <a:ext uri="{AF507438-7753-43E0-B8FC-AC1667EBCBE1}">
+              <a14:hiddenEffects xmlns:a14="http://schemas.microsoft.com/office/drawing/2010/main">
+                <a:effectLst>
+                  <a:outerShdw dist="35921" dir="2700000" algn="ctr" rotWithShape="0">
+                    <a:schemeClr val="bg2"/>
+                  </a:outerShdw>
+                </a:effectLst>
+              </a14:hiddenEffects>
+            </a:ext>
+          </a:extLst>
+        </p:spPr>
+        <p:txBody>
+          <a:bodyPr vert="horz" wrap="none" lIns="91440" tIns="45720" rIns="91440" bIns="45720" numCol="1" anchor="ctr" anchorCtr="0" compatLnSpc="1">
+            <a:spAutoFit/>
+          </a:bodyPr>
+          <a:lstStyle/>
+          <a:p>
+            <a:pPr marL="0" marR="0" lvl="0" indent="0" algn="l" defTabSz="914400" rtl="0" eaLnBrk="0" fontAlgn="base" latinLnBrk="0" hangingPunct="0">
+              <a:lnSpc>
+                <a:spcPct val="100000"/>
+              </a:lnSpc>
+              <a:spcBef>
+                <a:spcPct val="0"/>
+              </a:spcBef>
+              <a:spcAft>
+                <a:spcPct val="0"/>
+              </a:spcAft>
+              <a:buClrTx/>
+              <a:buSzTx/>
+              <a:buFontTx/>
+              <a:buNone/>
+            </a:pPr>
+            <a:br>
+              <a:rPr kumimoji="0" lang="zh-CN" altLang="zh-CN" sz="1800" b="0" i="0" u="none" strike="noStrike" cap="none" normalizeH="0" baseline="0">
+                <a:ln>
+                  <a:noFill/>
+                </a:ln>
+                <a:solidFill>
+                  <a:schemeClr val="tx1"/>
+                </a:solidFill>
+                <a:effectLst/>
+                <a:latin typeface="Arial" panose="020B0604020202090204" pitchFamily="34" charset="0"/>
+              </a:rPr>
+            </a:br>
+            <a:endParaRPr kumimoji="0" lang="zh-CN" altLang="zh-CN" sz="1800" b="0" i="0" u="none" strike="noStrike" cap="none" normalizeH="0" baseline="0">
+              <a:ln>
+                <a:noFill/>
+              </a:ln>
+              <a:solidFill>
+                <a:schemeClr val="tx1"/>
+              </a:solidFill>
+              <a:effectLst/>
+              <a:latin typeface="Arial" panose="020B0604020202090204" pitchFamily="34" charset="0"/>
+            </a:endParaRPr>
+          </a:p>
+        </p:txBody>
+      </p:sp>
+      <p:pic>
+        <p:nvPicPr>
+          <p:cNvPr id="2" name="图片 1" descr="E42B21AAA84ACB7F914DE58A0C3530E7"/>
+          <p:cNvPicPr>
+            <a:picLocks noChangeAspect="1"/>
+          </p:cNvPicPr>
+          <p:nvPr/>
+        </p:nvPicPr>
+        <p:blipFill>
+          <a:blip r:embed="rId3"/>
+          <a:stretch>
+            <a:fillRect/>
+          </a:stretch>
+        </p:blipFill>
+        <p:spPr>
+          <a:xfrm>
+            <a:off x="330835" y="737235"/>
+            <a:ext cx="8299450" cy="4108450"/>
+          </a:xfrm>
+          <a:prstGeom prst="rect">
+            <a:avLst/>
+          </a:prstGeom>
+        </p:spPr>
+      </p:pic>
+    </p:spTree>
+  </p:cSld>
+  <p:clrMapOvr>
+    <a:masterClrMapping/>
+  </p:clrMapOvr>
+  <mc:AlternateContent xmlns:mc="http://schemas.openxmlformats.org/markup-compatibility/2006" xmlns:p14="http://schemas.microsoft.com/office/powerpoint/2010/main">
+    <mc:Choice Requires="p14">
+      <p:transition spd="slow" p14:dur="1600" advClick="0">
+        <p14:prism isInverted="1"/>
+      </p:transition>
+    </mc:Choice>
+    <mc:Fallback xmlns="">
+      <p:transition spd="slow" advClick="0">
+        <p:fade/>
+      </p:transition>
+    </mc:Fallback>
+  </mc:AlternateContent>
+</p:sld>
+</file>
+
+<file path=ppt/slides/slide11.xml><?xml version="1.0" encoding="utf-8"?>
+<p:sld xmlns:a="http://schemas.openxmlformats.org/drawingml/2006/main" xmlns:r="http://schemas.openxmlformats.org/officeDocument/2006/relationships" xmlns:p="http://schemas.openxmlformats.org/presentationml/2006/main">
+  <p:cSld>
+    <p:spTree>
+      <p:nvGrpSpPr>
+        <p:cNvPr id="1" name=""/>
+        <p:cNvGrpSpPr/>
+        <p:nvPr/>
+      </p:nvGrpSpPr>
+      <p:grpSpPr>
+        <a:xfrm>
+          <a:off x="0" y="0"/>
+          <a:ext cx="0" cy="0"/>
+          <a:chOff x="0" y="0"/>
+          <a:chExt cx="0" cy="0"/>
+        </a:xfrm>
+      </p:grpSpPr>
+      <p:grpSp>
+        <p:nvGrpSpPr>
+          <p:cNvPr id="5" name="组合 4"/>
+          <p:cNvGrpSpPr/>
+          <p:nvPr/>
+        </p:nvGrpSpPr>
+        <p:grpSpPr>
+          <a:xfrm>
+            <a:off x="645215" y="261588"/>
+            <a:ext cx="3573856" cy="347632"/>
+            <a:chOff x="709386" y="309785"/>
+            <a:chExt cx="2261711" cy="347632"/>
+          </a:xfrm>
+        </p:grpSpPr>
+        <p:sp>
+          <p:nvSpPr>
+            <p:cNvPr id="31" name="文本框 15"/>
+            <p:cNvSpPr txBox="1"/>
+            <p:nvPr/>
+          </p:nvSpPr>
+          <p:spPr>
+            <a:xfrm>
+              <a:off x="709386" y="309785"/>
+              <a:ext cx="2261711" cy="329565"/>
+            </a:xfrm>
+            <a:prstGeom prst="rect">
+              <a:avLst/>
+            </a:prstGeom>
+            <a:noFill/>
+          </p:spPr>
+          <p:txBody>
+            <a:bodyPr wrap="square" lIns="68580" tIns="34290" rIns="68580" bIns="34290" rtlCol="0">
+              <a:spAutoFit/>
+            </a:bodyPr>
+            <a:lstStyle/>
+            <a:p>
+              <a:r>
+                <a:rPr lang="zh-CN" altLang="en-US" sz="1700" b="1" dirty="0">
+                  <a:solidFill>
+                    <a:srgbClr val="1B4367"/>
+                  </a:solidFill>
+                  <a:cs typeface="+mn-ea"/>
+                  <a:sym typeface="+mn-lt"/>
+                </a:rPr>
+                <a:t>用户手册</a:t>
+              </a:r>
+              <a:r>
+                <a:rPr lang="en-US" altLang="zh-CN" sz="1700" b="1" dirty="0">
+                  <a:solidFill>
+                    <a:srgbClr val="1B4367"/>
+                  </a:solidFill>
+                  <a:cs typeface="+mn-ea"/>
+                  <a:sym typeface="+mn-lt"/>
+                </a:rPr>
+                <a:t>/Q&amp;A</a:t>
+              </a:r>
+              <a:endParaRPr lang="zh-CN" altLang="en-US" sz="1700" b="1" dirty="0">
+                <a:solidFill>
+                  <a:srgbClr val="1B4367"/>
+                </a:solidFill>
+                <a:cs typeface="+mn-ea"/>
+                <a:sym typeface="+mn-lt"/>
+              </a:endParaRPr>
+            </a:p>
+          </p:txBody>
+        </p:sp>
+        <p:cxnSp>
+          <p:nvCxnSpPr>
+            <p:cNvPr id="20" name="直接连接符 19"/>
+            <p:cNvCxnSpPr/>
+            <p:nvPr/>
+          </p:nvCxnSpPr>
+          <p:spPr>
+            <a:xfrm>
+              <a:off x="774478" y="657417"/>
+              <a:ext cx="480259" cy="0"/>
+            </a:xfrm>
+            <a:prstGeom prst="line">
+              <a:avLst/>
+            </a:prstGeom>
+            <a:ln w="9525">
+              <a:solidFill>
+                <a:srgbClr val="1B4367"/>
+              </a:solidFill>
+            </a:ln>
+          </p:spPr>
+          <p:style>
+            <a:lnRef idx="1">
+              <a:schemeClr val="accent1"/>
+            </a:lnRef>
+            <a:fillRef idx="0">
+              <a:schemeClr val="accent1"/>
+            </a:fillRef>
+            <a:effectRef idx="0">
+              <a:schemeClr val="accent1"/>
+            </a:effectRef>
+            <a:fontRef idx="minor">
+              <a:schemeClr val="tx1"/>
+            </a:fontRef>
+          </p:style>
+        </p:cxnSp>
+      </p:grpSp>
+      <p:sp>
+        <p:nvSpPr>
+          <p:cNvPr id="28" name="Rectangle 1"/>
+          <p:cNvSpPr>
+            <a:spLocks noChangeArrowheads="1"/>
+          </p:cNvSpPr>
+          <p:nvPr/>
+        </p:nvSpPr>
+        <p:spPr bwMode="auto">
+          <a:xfrm>
+            <a:off x="1301750" y="1368425"/>
+            <a:ext cx="9144000" cy="0"/>
+          </a:xfrm>
+          <a:prstGeom prst="rect">
+            <a:avLst/>
+          </a:prstGeom>
+          <a:noFill/>
+          <a:ln>
+            <a:noFill/>
+          </a:ln>
+          <a:effectLst/>
+          <a:extLst>
+            <a:ext uri="{909E8E84-426E-40DD-AFC4-6F175D3DCCD1}">
+              <a14:hiddenFill xmlns:a14="http://schemas.microsoft.com/office/drawing/2010/main">
+                <a:solidFill>
+                  <a:schemeClr val="accent1"/>
+                </a:solidFill>
+              </a14:hiddenFill>
+            </a:ext>
+            <a:ext uri="{91240B29-F687-4F45-9708-019B960494DF}">
+              <a14:hiddenLine xmlns:a14="http://schemas.microsoft.com/office/drawing/2010/main" w="9525">
+                <a:solidFill>
+                  <a:schemeClr val="tx1"/>
+                </a:solidFill>
+                <a:miter lim="800000"/>
+                <a:headEnd/>
+                <a:tailEnd/>
+              </a14:hiddenLine>
+            </a:ext>
+            <a:ext uri="{AF507438-7753-43E0-B8FC-AC1667EBCBE1}">
+              <a14:hiddenEffects xmlns:a14="http://schemas.microsoft.com/office/drawing/2010/main">
+                <a:effectLst>
+                  <a:outerShdw dist="35921" dir="2700000" algn="ctr" rotWithShape="0">
+                    <a:schemeClr val="bg2"/>
+                  </a:outerShdw>
+                </a:effectLst>
+              </a14:hiddenEffects>
+            </a:ext>
+          </a:extLst>
+        </p:spPr>
+        <p:txBody>
+          <a:bodyPr vert="horz" wrap="none" lIns="91440" tIns="45720" rIns="91440" bIns="45720" numCol="1" anchor="ctr" anchorCtr="0" compatLnSpc="1">
+            <a:spAutoFit/>
+          </a:bodyPr>
+          <a:lstStyle/>
+          <a:p>
+            <a:pPr marL="0" marR="0" lvl="0" indent="0" algn="l" defTabSz="914400" rtl="0" eaLnBrk="0" fontAlgn="base" latinLnBrk="0" hangingPunct="0">
+              <a:lnSpc>
+                <a:spcPct val="100000"/>
+              </a:lnSpc>
+              <a:spcBef>
+                <a:spcPct val="0"/>
+              </a:spcBef>
+              <a:spcAft>
+                <a:spcPct val="0"/>
+              </a:spcAft>
+              <a:buClrTx/>
+              <a:buSzTx/>
+              <a:buFontTx/>
+              <a:buNone/>
+            </a:pPr>
+            <a:br>
+              <a:rPr kumimoji="0" lang="zh-CN" altLang="zh-CN" sz="1800" b="0" i="0" u="none" strike="noStrike" cap="none" normalizeH="0" baseline="0">
+                <a:ln>
+                  <a:noFill/>
+                </a:ln>
+                <a:solidFill>
+                  <a:schemeClr val="tx1"/>
+                </a:solidFill>
+                <a:effectLst/>
+                <a:latin typeface="Arial" panose="020B0604020202090204" pitchFamily="34" charset="0"/>
+              </a:rPr>
+            </a:br>
+            <a:endParaRPr kumimoji="0" lang="zh-CN" altLang="zh-CN" sz="1800" b="0" i="0" u="none" strike="noStrike" cap="none" normalizeH="0" baseline="0">
+              <a:ln>
+                <a:noFill/>
+              </a:ln>
+              <a:solidFill>
+                <a:schemeClr val="tx1"/>
+              </a:solidFill>
+              <a:effectLst/>
+              <a:latin typeface="Arial" panose="020B0604020202090204" pitchFamily="34" charset="0"/>
+            </a:endParaRPr>
+          </a:p>
+        </p:txBody>
+      </p:sp>
+      <p:pic>
+        <p:nvPicPr>
+          <p:cNvPr id="2" name="图片 1" descr="92915110784B2FE9BB7421BB27B92ED4"/>
+          <p:cNvPicPr>
+            <a:picLocks noChangeAspect="1"/>
+          </p:cNvPicPr>
+          <p:nvPr/>
+        </p:nvPicPr>
+        <p:blipFill>
+          <a:blip r:embed="rId3"/>
+          <a:stretch>
+            <a:fillRect/>
+          </a:stretch>
+        </p:blipFill>
+        <p:spPr>
+          <a:xfrm>
+            <a:off x="748030" y="878840"/>
+            <a:ext cx="7877175" cy="3901440"/>
+          </a:xfrm>
+          <a:prstGeom prst="rect">
+            <a:avLst/>
+          </a:prstGeom>
+        </p:spPr>
+      </p:pic>
+    </p:spTree>
+  </p:cSld>
+  <p:clrMapOvr>
+    <a:masterClrMapping/>
+  </p:clrMapOvr>
+  <mc:AlternateContent xmlns:mc="http://schemas.openxmlformats.org/markup-compatibility/2006" xmlns:p14="http://schemas.microsoft.com/office/powerpoint/2010/main">
+    <mc:Choice Requires="p14">
+      <p:transition spd="slow" p14:dur="1600" advClick="0">
+        <p14:prism isInverted="1"/>
+      </p:transition>
+    </mc:Choice>
+    <mc:Fallback xmlns="">
+      <p:transition spd="slow" advClick="0">
+        <p:fade/>
+      </p:transition>
+    </mc:Fallback>
+  </mc:AlternateContent>
+</p:sld>
+</file>
+
+<file path=ppt/slides/slide12.xml><?xml version="1.0" encoding="utf-8"?>
+<p:sld xmlns:a="http://schemas.openxmlformats.org/drawingml/2006/main" xmlns:r="http://schemas.openxmlformats.org/officeDocument/2006/relationships" xmlns:p="http://schemas.openxmlformats.org/presentationml/2006/main">
+  <p:cSld>
+    <p:spTree>
+      <p:nvGrpSpPr>
+        <p:cNvPr id="1" name=""/>
+        <p:cNvGrpSpPr/>
+        <p:nvPr/>
+      </p:nvGrpSpPr>
+      <p:grpSpPr>
+        <a:xfrm>
+          <a:off x="0" y="0"/>
+          <a:ext cx="0" cy="0"/>
+          <a:chOff x="0" y="0"/>
+          <a:chExt cx="0" cy="0"/>
+        </a:xfrm>
+      </p:grpSpPr>
+      <p:grpSp>
+        <p:nvGrpSpPr>
+          <p:cNvPr id="5" name="组合 4"/>
+          <p:cNvGrpSpPr/>
+          <p:nvPr/>
+        </p:nvGrpSpPr>
+        <p:grpSpPr>
+          <a:xfrm>
+            <a:off x="645215" y="261588"/>
+            <a:ext cx="3573856" cy="347632"/>
+            <a:chOff x="709386" y="309785"/>
+            <a:chExt cx="2261711" cy="347632"/>
+          </a:xfrm>
+        </p:grpSpPr>
+        <p:sp>
+          <p:nvSpPr>
+            <p:cNvPr id="31" name="文本框 15"/>
+            <p:cNvSpPr txBox="1"/>
+            <p:nvPr/>
+          </p:nvSpPr>
+          <p:spPr>
+            <a:xfrm>
+              <a:off x="709386" y="309785"/>
+              <a:ext cx="2261711" cy="329565"/>
+            </a:xfrm>
+            <a:prstGeom prst="rect">
+              <a:avLst/>
+            </a:prstGeom>
+            <a:noFill/>
+          </p:spPr>
+          <p:txBody>
+            <a:bodyPr wrap="square" lIns="68580" tIns="34290" rIns="68580" bIns="34290" rtlCol="0">
+              <a:spAutoFit/>
+            </a:bodyPr>
+            <a:lstStyle/>
+            <a:p>
+              <a:r>
+                <a:rPr lang="zh-CN" altLang="en-US" sz="1700" b="1" dirty="0">
+                  <a:solidFill>
+                    <a:srgbClr val="1B4367"/>
+                  </a:solidFill>
+                  <a:cs typeface="+mn-ea"/>
+                  <a:sym typeface="+mn-lt"/>
+                </a:rPr>
+                <a:t>用户手册</a:t>
+              </a:r>
+              <a:r>
+                <a:rPr lang="en-US" altLang="zh-CN" sz="1700" b="1" dirty="0">
+                  <a:solidFill>
+                    <a:srgbClr val="1B4367"/>
+                  </a:solidFill>
+                  <a:cs typeface="+mn-ea"/>
+                  <a:sym typeface="+mn-lt"/>
+                </a:rPr>
+                <a:t>/Q&amp;A</a:t>
+              </a:r>
+              <a:endParaRPr lang="zh-CN" altLang="en-US" sz="1700" b="1" dirty="0">
+                <a:solidFill>
+                  <a:srgbClr val="1B4367"/>
+                </a:solidFill>
+                <a:cs typeface="+mn-ea"/>
+                <a:sym typeface="+mn-lt"/>
+              </a:endParaRPr>
+            </a:p>
+          </p:txBody>
+        </p:sp>
+        <p:cxnSp>
+          <p:nvCxnSpPr>
+            <p:cNvPr id="20" name="直接连接符 19"/>
+            <p:cNvCxnSpPr/>
+            <p:nvPr/>
+          </p:nvCxnSpPr>
+          <p:spPr>
+            <a:xfrm>
+              <a:off x="774478" y="657417"/>
+              <a:ext cx="480259" cy="0"/>
+            </a:xfrm>
+            <a:prstGeom prst="line">
+              <a:avLst/>
+            </a:prstGeom>
+            <a:ln w="9525">
+              <a:solidFill>
+                <a:srgbClr val="1B4367"/>
+              </a:solidFill>
+            </a:ln>
+          </p:spPr>
+          <p:style>
+            <a:lnRef idx="1">
+              <a:schemeClr val="accent1"/>
+            </a:lnRef>
+            <a:fillRef idx="0">
+              <a:schemeClr val="accent1"/>
+            </a:fillRef>
+            <a:effectRef idx="0">
+              <a:schemeClr val="accent1"/>
+            </a:effectRef>
+            <a:fontRef idx="minor">
+              <a:schemeClr val="tx1"/>
+            </a:fontRef>
+          </p:style>
+        </p:cxnSp>
+      </p:grpSp>
+      <p:sp>
+        <p:nvSpPr>
+          <p:cNvPr id="28" name="Rectangle 1"/>
+          <p:cNvSpPr>
+            <a:spLocks noChangeArrowheads="1"/>
+          </p:cNvSpPr>
+          <p:nvPr/>
+        </p:nvSpPr>
+        <p:spPr bwMode="auto">
+          <a:xfrm>
+            <a:off x="1301750" y="1368425"/>
+            <a:ext cx="9144000" cy="0"/>
+          </a:xfrm>
+          <a:prstGeom prst="rect">
+            <a:avLst/>
+          </a:prstGeom>
+          <a:noFill/>
+          <a:ln>
+            <a:noFill/>
+          </a:ln>
+          <a:effectLst/>
+          <a:extLst>
+            <a:ext uri="{909E8E84-426E-40DD-AFC4-6F175D3DCCD1}">
+              <a14:hiddenFill xmlns:a14="http://schemas.microsoft.com/office/drawing/2010/main">
+                <a:solidFill>
+                  <a:schemeClr val="accent1"/>
+                </a:solidFill>
+              </a14:hiddenFill>
+            </a:ext>
+            <a:ext uri="{91240B29-F687-4F45-9708-019B960494DF}">
+              <a14:hiddenLine xmlns:a14="http://schemas.microsoft.com/office/drawing/2010/main" w="9525">
+                <a:solidFill>
+                  <a:schemeClr val="tx1"/>
+                </a:solidFill>
+                <a:miter lim="800000"/>
+                <a:headEnd/>
+                <a:tailEnd/>
+              </a14:hiddenLine>
+            </a:ext>
+            <a:ext uri="{AF507438-7753-43E0-B8FC-AC1667EBCBE1}">
+              <a14:hiddenEffects xmlns:a14="http://schemas.microsoft.com/office/drawing/2010/main">
+                <a:effectLst>
+                  <a:outerShdw dist="35921" dir="2700000" algn="ctr" rotWithShape="0">
+                    <a:schemeClr val="bg2"/>
+                  </a:outerShdw>
+                </a:effectLst>
+              </a14:hiddenEffects>
+            </a:ext>
+          </a:extLst>
+        </p:spPr>
+        <p:txBody>
+          <a:bodyPr vert="horz" wrap="none" lIns="91440" tIns="45720" rIns="91440" bIns="45720" numCol="1" anchor="ctr" anchorCtr="0" compatLnSpc="1">
+            <a:spAutoFit/>
+          </a:bodyPr>
+          <a:lstStyle/>
+          <a:p>
+            <a:pPr marL="0" marR="0" lvl="0" indent="0" algn="l" defTabSz="914400" rtl="0" eaLnBrk="0" fontAlgn="base" latinLnBrk="0" hangingPunct="0">
+              <a:lnSpc>
+                <a:spcPct val="100000"/>
+              </a:lnSpc>
+              <a:spcBef>
+                <a:spcPct val="0"/>
+              </a:spcBef>
+              <a:spcAft>
+                <a:spcPct val="0"/>
+              </a:spcAft>
+              <a:buClrTx/>
+              <a:buSzTx/>
+              <a:buFontTx/>
+              <a:buNone/>
+            </a:pPr>
+            <a:br>
+              <a:rPr kumimoji="0" lang="zh-CN" altLang="zh-CN" sz="1800" b="0" i="0" u="none" strike="noStrike" cap="none" normalizeH="0" baseline="0">
+                <a:ln>
+                  <a:noFill/>
+                </a:ln>
+                <a:solidFill>
+                  <a:schemeClr val="tx1"/>
+                </a:solidFill>
+                <a:effectLst/>
+                <a:latin typeface="Arial" panose="020B0604020202090204" pitchFamily="34" charset="0"/>
+              </a:rPr>
+            </a:br>
+            <a:endParaRPr kumimoji="0" lang="zh-CN" altLang="zh-CN" sz="1800" b="0" i="0" u="none" strike="noStrike" cap="none" normalizeH="0" baseline="0">
+              <a:ln>
+                <a:noFill/>
+              </a:ln>
+              <a:solidFill>
+                <a:schemeClr val="tx1"/>
+              </a:solidFill>
+              <a:effectLst/>
+              <a:latin typeface="Arial" panose="020B0604020202090204" pitchFamily="34" charset="0"/>
+            </a:endParaRPr>
+          </a:p>
+        </p:txBody>
+      </p:sp>
+      <p:pic>
+        <p:nvPicPr>
+          <p:cNvPr id="3" name="图片 2" descr="FE0438BBA880857DC662109089A74B97"/>
+          <p:cNvPicPr>
+            <a:picLocks noChangeAspect="1"/>
+          </p:cNvPicPr>
+          <p:nvPr/>
+        </p:nvPicPr>
+        <p:blipFill>
+          <a:blip r:embed="rId3"/>
+          <a:stretch>
+            <a:fillRect/>
+          </a:stretch>
+        </p:blipFill>
+        <p:spPr>
+          <a:xfrm>
+            <a:off x="524510" y="791210"/>
+            <a:ext cx="8094980" cy="4000500"/>
+          </a:xfrm>
+          <a:prstGeom prst="rect">
+            <a:avLst/>
+          </a:prstGeom>
+        </p:spPr>
+      </p:pic>
+    </p:spTree>
+  </p:cSld>
+  <p:clrMapOvr>
+    <a:masterClrMapping/>
+  </p:clrMapOvr>
+  <mc:AlternateContent xmlns:mc="http://schemas.openxmlformats.org/markup-compatibility/2006" xmlns:p14="http://schemas.microsoft.com/office/powerpoint/2010/main">
+    <mc:Choice Requires="p14">
+      <p:transition spd="slow" p14:dur="1600" advClick="0">
+        <p14:prism isInverted="1"/>
+      </p:transition>
+    </mc:Choice>
+    <mc:Fallback xmlns="">
+      <p:transition spd="slow" advClick="0">
+        <p:fade/>
+      </p:transition>
+    </mc:Fallback>
+  </mc:AlternateContent>
+</p:sld>
+</file>
+
+<file path=ppt/slides/slide13.xml><?xml version="1.0" encoding="utf-8"?>
+<p:sld xmlns:a="http://schemas.openxmlformats.org/drawingml/2006/main" xmlns:r="http://schemas.openxmlformats.org/officeDocument/2006/relationships" xmlns:p="http://schemas.openxmlformats.org/presentationml/2006/main">
+  <p:cSld>
+    <p:spTree>
+      <p:nvGrpSpPr>
+        <p:cNvPr id="1" name=""/>
+        <p:cNvGrpSpPr/>
+        <p:nvPr/>
+      </p:nvGrpSpPr>
+      <p:grpSpPr>
+        <a:xfrm>
+          <a:off x="0" y="0"/>
+          <a:ext cx="0" cy="0"/>
+          <a:chOff x="0" y="0"/>
+          <a:chExt cx="0" cy="0"/>
+        </a:xfrm>
+      </p:grpSpPr>
+      <p:grpSp>
+        <p:nvGrpSpPr>
+          <p:cNvPr id="5" name="组合 4"/>
+          <p:cNvGrpSpPr/>
+          <p:nvPr/>
+        </p:nvGrpSpPr>
+        <p:grpSpPr>
+          <a:xfrm>
+            <a:off x="645215" y="261588"/>
+            <a:ext cx="3573856" cy="347632"/>
+            <a:chOff x="709386" y="309785"/>
+            <a:chExt cx="2261711" cy="347632"/>
+          </a:xfrm>
+        </p:grpSpPr>
+        <p:sp>
+          <p:nvSpPr>
+            <p:cNvPr id="31" name="文本框 15"/>
+            <p:cNvSpPr txBox="1"/>
+            <p:nvPr/>
+          </p:nvSpPr>
+          <p:spPr>
+            <a:xfrm>
+              <a:off x="709386" y="309785"/>
+              <a:ext cx="2261711" cy="329565"/>
+            </a:xfrm>
+            <a:prstGeom prst="rect">
+              <a:avLst/>
+            </a:prstGeom>
+            <a:noFill/>
+          </p:spPr>
+          <p:txBody>
+            <a:bodyPr wrap="square" lIns="68580" tIns="34290" rIns="68580" bIns="34290" rtlCol="0">
+              <a:spAutoFit/>
+            </a:bodyPr>
+            <a:lstStyle/>
+            <a:p>
+              <a:r>
                 <a:rPr lang="en-US" altLang="zh-CN" sz="1700" b="1" dirty="0">
                   <a:solidFill>
                     <a:srgbClr val="1B4367"/>
@@ -5326,7 +6447,7 @@
                   <a:cs typeface="+mn-ea"/>
                   <a:sym typeface="+mn-lt"/>
                 </a:rPr>
-                <a:t>部署工具</a:t>
+                <a:t>部署图</a:t>
               </a:r>
             </a:p>
           </p:txBody>
@@ -5463,243 +6584,37 @@
           </a:p>
         </p:txBody>
       </p:sp>
-      <p:sp>
-        <p:nvSpPr>
-          <p:cNvPr id="3" name="文本框 2">
+      <p:pic>
+        <p:nvPicPr>
+          <p:cNvPr id="2" name="图片 1">
             <a:extLst>
               <a:ext uri="{FF2B5EF4-FFF2-40B4-BE49-F238E27FC236}">
-                <a16:creationId xmlns:a16="http://schemas.microsoft.com/office/drawing/2014/main" id="{8CCE8F07-502C-DA4C-87EA-50C252B2552F}"/>
+                <a16:creationId xmlns:a16="http://schemas.microsoft.com/office/drawing/2014/main" id="{A22DA9F7-8FEA-CB41-BF9B-2056E740F581}"/>
               </a:ext>
             </a:extLst>
           </p:cNvPr>
-          <p:cNvSpPr txBox="1"/>
+          <p:cNvPicPr>
+            <a:picLocks noChangeAspect="1"/>
+          </p:cNvPicPr>
           <p:nvPr/>
-        </p:nvSpPr>
+        </p:nvPicPr>
+        <p:blipFill>
+          <a:blip r:embed="rId3"/>
+          <a:stretch>
+            <a:fillRect/>
+          </a:stretch>
+        </p:blipFill>
         <p:spPr>
           <a:xfrm>
-            <a:off x="2854174" y="1219933"/>
-            <a:ext cx="4181231" cy="3016210"/>
+            <a:off x="1193056" y="627288"/>
+            <a:ext cx="6358942" cy="4474533"/>
           </a:xfrm>
           <a:prstGeom prst="rect">
             <a:avLst/>
           </a:prstGeom>
-          <a:noFill/>
         </p:spPr>
-        <p:txBody>
-          <a:bodyPr wrap="square" rtlCol="0">
-            <a:spAutoFit/>
-          </a:bodyPr>
-          <a:lstStyle/>
-          <a:p>
-            <a:r>
-              <a:rPr lang="zh-CN" altLang="en-US" sz="1600" dirty="0">
-                <a:solidFill>
-                  <a:srgbClr val="1B4367"/>
-                </a:solidFill>
-                <a:cs typeface="+mn-ea"/>
-              </a:rPr>
-              <a:t>代码仓库：</a:t>
-            </a:r>
-            <a:r>
-              <a:rPr lang="en-US" altLang="zh-CN" sz="1600" dirty="0" err="1">
-                <a:solidFill>
-                  <a:srgbClr val="1B4367"/>
-                </a:solidFill>
-                <a:cs typeface="+mn-ea"/>
-              </a:rPr>
-              <a:t>Github</a:t>
-            </a:r>
-            <a:endParaRPr lang="en-US" altLang="zh-CN" sz="1600" dirty="0">
-              <a:solidFill>
-                <a:srgbClr val="1B4367"/>
-              </a:solidFill>
-              <a:cs typeface="+mn-ea"/>
-            </a:endParaRPr>
-          </a:p>
-          <a:p>
-            <a:endParaRPr lang="en-US" altLang="zh-CN" sz="1600" dirty="0">
-              <a:solidFill>
-                <a:srgbClr val="1B4367"/>
-              </a:solidFill>
-              <a:cs typeface="+mn-ea"/>
-            </a:endParaRPr>
-          </a:p>
-          <a:p>
-            <a:r>
-              <a:rPr lang="zh-CN" altLang="en-US" sz="1600" dirty="0">
-                <a:solidFill>
-                  <a:srgbClr val="1B4367"/>
-                </a:solidFill>
-                <a:cs typeface="+mn-ea"/>
-              </a:rPr>
-              <a:t>代码部署控件：</a:t>
-            </a:r>
-            <a:r>
-              <a:rPr lang="en-US" altLang="zh-CN" sz="1600" dirty="0">
-                <a:solidFill>
-                  <a:srgbClr val="1B4367"/>
-                </a:solidFill>
-                <a:cs typeface="+mn-ea"/>
-              </a:rPr>
-              <a:t>Action</a:t>
-            </a:r>
-            <a:r>
-              <a:rPr lang="zh-CN" altLang="en-US" sz="1600" dirty="0">
-                <a:solidFill>
-                  <a:srgbClr val="1B4367"/>
-                </a:solidFill>
-                <a:cs typeface="+mn-ea"/>
-              </a:rPr>
-              <a:t> 服务</a:t>
-            </a:r>
-            <a:endParaRPr lang="en-US" altLang="zh-CN" sz="1600" dirty="0">
-              <a:solidFill>
-                <a:srgbClr val="1B4367"/>
-              </a:solidFill>
-              <a:cs typeface="+mn-ea"/>
-            </a:endParaRPr>
-          </a:p>
-          <a:p>
-            <a:endParaRPr lang="en-US" altLang="zh-CN" sz="1600" dirty="0">
-              <a:solidFill>
-                <a:srgbClr val="1B4367"/>
-              </a:solidFill>
-              <a:cs typeface="+mn-ea"/>
-            </a:endParaRPr>
-          </a:p>
-          <a:p>
-            <a:r>
-              <a:rPr lang="en-US" altLang="zh-CN" sz="1600" dirty="0">
-                <a:solidFill>
-                  <a:srgbClr val="1B4367"/>
-                </a:solidFill>
-                <a:cs typeface="+mn-ea"/>
-              </a:rPr>
-              <a:t>Jar</a:t>
-            </a:r>
-            <a:r>
-              <a:rPr lang="zh-CN" altLang="en-US" sz="1600" dirty="0">
-                <a:solidFill>
-                  <a:srgbClr val="1B4367"/>
-                </a:solidFill>
-                <a:cs typeface="+mn-ea"/>
-              </a:rPr>
-              <a:t> 包工具平台：</a:t>
-            </a:r>
-            <a:r>
-              <a:rPr lang="en-US" altLang="zh-CN" sz="1600" dirty="0" err="1">
-                <a:solidFill>
-                  <a:srgbClr val="1B4367"/>
-                </a:solidFill>
-                <a:cs typeface="+mn-ea"/>
-              </a:rPr>
-              <a:t>Github</a:t>
-            </a:r>
-            <a:endParaRPr lang="en-US" altLang="zh-CN" sz="1600" dirty="0">
-              <a:solidFill>
-                <a:srgbClr val="1B4367"/>
-              </a:solidFill>
-              <a:cs typeface="+mn-ea"/>
-            </a:endParaRPr>
-          </a:p>
-          <a:p>
-            <a:endParaRPr lang="en-US" altLang="zh-CN" sz="1600" dirty="0">
-              <a:solidFill>
-                <a:srgbClr val="1B4367"/>
-              </a:solidFill>
-              <a:cs typeface="+mn-ea"/>
-            </a:endParaRPr>
-          </a:p>
-          <a:p>
-            <a:r>
-              <a:rPr lang="en-US" altLang="zh-CN" sz="1600" dirty="0" err="1">
-                <a:solidFill>
-                  <a:srgbClr val="1B4367"/>
-                </a:solidFill>
-                <a:cs typeface="+mn-ea"/>
-              </a:rPr>
-              <a:t>DockerHub</a:t>
-            </a:r>
-            <a:r>
-              <a:rPr lang="zh-CN" altLang="en-US" sz="1600" dirty="0">
-                <a:solidFill>
-                  <a:srgbClr val="1B4367"/>
-                </a:solidFill>
-                <a:cs typeface="+mn-ea"/>
-              </a:rPr>
-              <a:t>：阿里云容器镜像服务</a:t>
-            </a:r>
-            <a:endParaRPr lang="en-US" altLang="zh-CN" sz="1600" dirty="0">
-              <a:solidFill>
-                <a:srgbClr val="1B4367"/>
-              </a:solidFill>
-              <a:cs typeface="+mn-ea"/>
-            </a:endParaRPr>
-          </a:p>
-          <a:p>
-            <a:endParaRPr lang="en-US" altLang="zh-CN" sz="1600" dirty="0">
-              <a:solidFill>
-                <a:srgbClr val="1B4367"/>
-              </a:solidFill>
-              <a:cs typeface="+mn-ea"/>
-            </a:endParaRPr>
-          </a:p>
-          <a:p>
-            <a:r>
-              <a:rPr lang="zh-CN" altLang="en-US" sz="1600" dirty="0">
-                <a:solidFill>
-                  <a:srgbClr val="1B4367"/>
-                </a:solidFill>
-                <a:cs typeface="+mn-ea"/>
-              </a:rPr>
-              <a:t>服务器：阿里云轻量应用服务器</a:t>
-            </a:r>
-            <a:endParaRPr lang="en-US" altLang="zh-CN" sz="1600" dirty="0">
-              <a:solidFill>
-                <a:srgbClr val="1B4367"/>
-              </a:solidFill>
-              <a:cs typeface="+mn-ea"/>
-            </a:endParaRPr>
-          </a:p>
-          <a:p>
-            <a:endParaRPr lang="en-US" altLang="zh-CN" sz="1600" dirty="0">
-              <a:solidFill>
-                <a:srgbClr val="1B4367"/>
-              </a:solidFill>
-              <a:cs typeface="+mn-ea"/>
-            </a:endParaRPr>
-          </a:p>
-          <a:p>
-            <a:r>
-              <a:rPr lang="zh-CN" altLang="en-US" sz="1600" dirty="0">
-                <a:solidFill>
-                  <a:srgbClr val="1B4367"/>
-                </a:solidFill>
-                <a:cs typeface="+mn-ea"/>
-              </a:rPr>
-              <a:t>跨域问题：</a:t>
-            </a:r>
-            <a:r>
-              <a:rPr lang="en-US" altLang="zh-CN" sz="1600" dirty="0">
-                <a:solidFill>
-                  <a:srgbClr val="1B4367"/>
-                </a:solidFill>
-                <a:cs typeface="+mn-ea"/>
-              </a:rPr>
-              <a:t>Nginx</a:t>
-            </a:r>
-          </a:p>
-          <a:p>
-            <a:endParaRPr kumimoji="1" lang="en-US" altLang="zh-CN" dirty="0"/>
-          </a:p>
-        </p:txBody>
-      </p:sp>
+      </p:pic>
     </p:spTree>
-    <p:extLst>
-      <p:ext uri="{BB962C8B-B14F-4D97-AF65-F5344CB8AC3E}">
-        <p14:creationId xmlns:p14="http://schemas.microsoft.com/office/powerpoint/2010/main" val="1965596183"/>
-      </p:ext>
-    </p:extLst>
   </p:cSld>
   <p:clrMapOvr>
     <a:masterClrMapping/>
@@ -5719,7 +6634,7 @@
 </p:sld>
 </file>
 
-<file path=ppt/slides/slide11.xml><?xml version="1.0" encoding="utf-8"?>
+<file path=ppt/slides/slide14.xml><?xml version="1.0" encoding="utf-8"?>
 <p:sld xmlns:a="http://schemas.openxmlformats.org/drawingml/2006/main" xmlns:r="http://schemas.openxmlformats.org/officeDocument/2006/relationships" xmlns:p="http://schemas.openxmlformats.org/presentationml/2006/main">
   <p:cSld>
     <p:spTree>
@@ -5927,6 +6842,533 @@
           </a:p>
         </p:txBody>
       </p:sp>
+      <p:sp>
+        <p:nvSpPr>
+          <p:cNvPr id="3" name="文本框 2">
+            <a:extLst>
+              <a:ext uri="{FF2B5EF4-FFF2-40B4-BE49-F238E27FC236}">
+                <a16:creationId xmlns:a16="http://schemas.microsoft.com/office/drawing/2014/main" id="{8CCE8F07-502C-DA4C-87EA-50C252B2552F}"/>
+              </a:ext>
+            </a:extLst>
+          </p:cNvPr>
+          <p:cNvSpPr txBox="1"/>
+          <p:nvPr/>
+        </p:nvSpPr>
+        <p:spPr>
+          <a:xfrm>
+            <a:off x="2322961" y="729275"/>
+            <a:ext cx="4181231" cy="3970318"/>
+          </a:xfrm>
+          <a:prstGeom prst="rect">
+            <a:avLst/>
+          </a:prstGeom>
+          <a:noFill/>
+        </p:spPr>
+        <p:txBody>
+          <a:bodyPr wrap="square" rtlCol="0">
+            <a:spAutoFit/>
+          </a:bodyPr>
+          <a:lstStyle/>
+          <a:p>
+            <a:r>
+              <a:rPr lang="zh-CN" altLang="en-US" sz="1600" dirty="0">
+                <a:solidFill>
+                  <a:srgbClr val="1B4367"/>
+                </a:solidFill>
+                <a:cs typeface="+mn-ea"/>
+              </a:rPr>
+              <a:t>现部署方法：</a:t>
+            </a:r>
+            <a:endParaRPr lang="en-US" altLang="zh-CN" sz="1600" dirty="0">
+              <a:solidFill>
+                <a:srgbClr val="1B4367"/>
+              </a:solidFill>
+              <a:cs typeface="+mn-ea"/>
+            </a:endParaRPr>
+          </a:p>
+          <a:p>
+            <a:endParaRPr lang="en-US" altLang="zh-CN" sz="1600" dirty="0">
+              <a:solidFill>
+                <a:srgbClr val="1B4367"/>
+              </a:solidFill>
+              <a:cs typeface="+mn-ea"/>
+            </a:endParaRPr>
+          </a:p>
+          <a:p>
+            <a:r>
+              <a:rPr lang="zh-CN" altLang="en-US" sz="1600" dirty="0">
+                <a:solidFill>
+                  <a:srgbClr val="1B4367"/>
+                </a:solidFill>
+                <a:cs typeface="+mn-ea"/>
+              </a:rPr>
+              <a:t>代码仓库：</a:t>
+            </a:r>
+            <a:r>
+              <a:rPr lang="en-US" altLang="zh-CN" sz="1600" dirty="0" err="1">
+                <a:solidFill>
+                  <a:srgbClr val="1B4367"/>
+                </a:solidFill>
+                <a:cs typeface="+mn-ea"/>
+              </a:rPr>
+              <a:t>Github</a:t>
+            </a:r>
+            <a:endParaRPr lang="en-US" altLang="zh-CN" sz="1600" dirty="0">
+              <a:solidFill>
+                <a:srgbClr val="1B4367"/>
+              </a:solidFill>
+              <a:cs typeface="+mn-ea"/>
+            </a:endParaRPr>
+          </a:p>
+          <a:p>
+            <a:endParaRPr lang="en-US" altLang="zh-CN" sz="1600" dirty="0">
+              <a:solidFill>
+                <a:srgbClr val="1B4367"/>
+              </a:solidFill>
+              <a:cs typeface="+mn-ea"/>
+            </a:endParaRPr>
+          </a:p>
+          <a:p>
+            <a:r>
+              <a:rPr lang="zh-CN" altLang="en-US" sz="1600" dirty="0">
+                <a:solidFill>
+                  <a:srgbClr val="1B4367"/>
+                </a:solidFill>
+                <a:cs typeface="+mn-ea"/>
+              </a:rPr>
+              <a:t>代码部署控件：</a:t>
+            </a:r>
+            <a:r>
+              <a:rPr lang="en-US" altLang="zh-CN" sz="1600" dirty="0">
+                <a:solidFill>
+                  <a:srgbClr val="1B4367"/>
+                </a:solidFill>
+                <a:cs typeface="+mn-ea"/>
+              </a:rPr>
+              <a:t>Action</a:t>
+            </a:r>
+            <a:r>
+              <a:rPr lang="zh-CN" altLang="en-US" sz="1600" dirty="0">
+                <a:solidFill>
+                  <a:srgbClr val="1B4367"/>
+                </a:solidFill>
+                <a:cs typeface="+mn-ea"/>
+              </a:rPr>
+              <a:t> 服务</a:t>
+            </a:r>
+            <a:endParaRPr lang="en-US" altLang="zh-CN" sz="1600" dirty="0">
+              <a:solidFill>
+                <a:srgbClr val="1B4367"/>
+              </a:solidFill>
+              <a:cs typeface="+mn-ea"/>
+            </a:endParaRPr>
+          </a:p>
+          <a:p>
+            <a:endParaRPr lang="en-US" altLang="zh-CN" sz="1600" dirty="0">
+              <a:solidFill>
+                <a:srgbClr val="1B4367"/>
+              </a:solidFill>
+              <a:cs typeface="+mn-ea"/>
+            </a:endParaRPr>
+          </a:p>
+          <a:p>
+            <a:r>
+              <a:rPr lang="en-US" altLang="zh-CN" sz="1600" dirty="0">
+                <a:solidFill>
+                  <a:srgbClr val="1B4367"/>
+                </a:solidFill>
+                <a:cs typeface="+mn-ea"/>
+              </a:rPr>
+              <a:t>Jar</a:t>
+            </a:r>
+            <a:r>
+              <a:rPr lang="zh-CN" altLang="en-US" sz="1600" dirty="0">
+                <a:solidFill>
+                  <a:srgbClr val="1B4367"/>
+                </a:solidFill>
+                <a:cs typeface="+mn-ea"/>
+              </a:rPr>
+              <a:t> 包工具平台：</a:t>
+            </a:r>
+            <a:r>
+              <a:rPr lang="en-US" altLang="zh-CN" sz="1600" dirty="0" err="1">
+                <a:solidFill>
+                  <a:srgbClr val="1B4367"/>
+                </a:solidFill>
+                <a:cs typeface="+mn-ea"/>
+              </a:rPr>
+              <a:t>Github</a:t>
+            </a:r>
+            <a:endParaRPr lang="en-US" altLang="zh-CN" sz="1600" dirty="0">
+              <a:solidFill>
+                <a:srgbClr val="1B4367"/>
+              </a:solidFill>
+              <a:cs typeface="+mn-ea"/>
+            </a:endParaRPr>
+          </a:p>
+          <a:p>
+            <a:endParaRPr lang="en-US" altLang="zh-CN" sz="1600" dirty="0">
+              <a:solidFill>
+                <a:srgbClr val="1B4367"/>
+              </a:solidFill>
+              <a:cs typeface="+mn-ea"/>
+            </a:endParaRPr>
+          </a:p>
+          <a:p>
+            <a:r>
+              <a:rPr lang="en-US" altLang="zh-CN" sz="1600" dirty="0" err="1">
+                <a:solidFill>
+                  <a:srgbClr val="1B4367"/>
+                </a:solidFill>
+                <a:cs typeface="+mn-ea"/>
+              </a:rPr>
+              <a:t>DockerHub</a:t>
+            </a:r>
+            <a:r>
+              <a:rPr lang="zh-CN" altLang="en-US" sz="1600" dirty="0">
+                <a:solidFill>
+                  <a:srgbClr val="1B4367"/>
+                </a:solidFill>
+                <a:cs typeface="+mn-ea"/>
+              </a:rPr>
+              <a:t>：阿里云容器镜像服务</a:t>
+            </a:r>
+            <a:endParaRPr lang="en-US" altLang="zh-CN" sz="1600" dirty="0">
+              <a:solidFill>
+                <a:srgbClr val="1B4367"/>
+              </a:solidFill>
+              <a:cs typeface="+mn-ea"/>
+            </a:endParaRPr>
+          </a:p>
+          <a:p>
+            <a:endParaRPr lang="en-US" altLang="zh-CN" sz="1600" dirty="0">
+              <a:solidFill>
+                <a:srgbClr val="1B4367"/>
+              </a:solidFill>
+              <a:cs typeface="+mn-ea"/>
+            </a:endParaRPr>
+          </a:p>
+          <a:p>
+            <a:r>
+              <a:rPr lang="zh-CN" altLang="en-US" sz="1600" dirty="0">
+                <a:solidFill>
+                  <a:srgbClr val="1B4367"/>
+                </a:solidFill>
+                <a:cs typeface="+mn-ea"/>
+              </a:rPr>
+              <a:t>服务器：阿里云轻量应用服务器</a:t>
+            </a:r>
+            <a:endParaRPr lang="en-US" altLang="zh-CN" sz="1600" dirty="0">
+              <a:solidFill>
+                <a:srgbClr val="1B4367"/>
+              </a:solidFill>
+              <a:cs typeface="+mn-ea"/>
+            </a:endParaRPr>
+          </a:p>
+          <a:p>
+            <a:endParaRPr lang="en-US" altLang="zh-CN" sz="1600" dirty="0">
+              <a:solidFill>
+                <a:srgbClr val="1B4367"/>
+              </a:solidFill>
+              <a:cs typeface="+mn-ea"/>
+            </a:endParaRPr>
+          </a:p>
+          <a:p>
+            <a:r>
+              <a:rPr lang="zh-CN" altLang="en-US" sz="1600" dirty="0">
+                <a:solidFill>
+                  <a:srgbClr val="1B4367"/>
+                </a:solidFill>
+                <a:cs typeface="+mn-ea"/>
+              </a:rPr>
+              <a:t>跨域问题：</a:t>
+            </a:r>
+            <a:r>
+              <a:rPr lang="en-US" altLang="zh-CN" sz="1600" dirty="0">
+                <a:solidFill>
+                  <a:srgbClr val="1B4367"/>
+                </a:solidFill>
+                <a:cs typeface="+mn-ea"/>
+              </a:rPr>
+              <a:t>Nginx</a:t>
+            </a:r>
+          </a:p>
+          <a:p>
+            <a:endParaRPr kumimoji="1" lang="en-US" altLang="zh-CN" dirty="0"/>
+          </a:p>
+          <a:p>
+            <a:endParaRPr kumimoji="1" lang="en-US" altLang="zh-CN" dirty="0"/>
+          </a:p>
+          <a:p>
+            <a:r>
+              <a:rPr lang="zh-CN" altLang="en-US" sz="1600" dirty="0">
+                <a:solidFill>
+                  <a:srgbClr val="1B4367"/>
+                </a:solidFill>
+                <a:cs typeface="+mn-ea"/>
+              </a:rPr>
+              <a:t>未来一键部署方法：</a:t>
+            </a:r>
+            <a:r>
+              <a:rPr lang="en-US" altLang="zh-CN" sz="1600" dirty="0">
+                <a:solidFill>
+                  <a:srgbClr val="1B4367"/>
+                </a:solidFill>
+                <a:cs typeface="+mn-ea"/>
+              </a:rPr>
+              <a:t>Lite</a:t>
+            </a:r>
+            <a:r>
+              <a:rPr lang="zh-CN" altLang="en-US" sz="1600" dirty="0">
+                <a:solidFill>
+                  <a:srgbClr val="1B4367"/>
+                </a:solidFill>
+                <a:cs typeface="+mn-ea"/>
+              </a:rPr>
+              <a:t> 版本</a:t>
+            </a:r>
+            <a:endParaRPr lang="en-US" altLang="zh-CN" sz="1600" dirty="0">
+              <a:solidFill>
+                <a:srgbClr val="1B4367"/>
+              </a:solidFill>
+              <a:cs typeface="+mn-ea"/>
+            </a:endParaRPr>
+          </a:p>
+        </p:txBody>
+      </p:sp>
+    </p:spTree>
+    <p:extLst>
+      <p:ext uri="{BB962C8B-B14F-4D97-AF65-F5344CB8AC3E}">
+        <p14:creationId xmlns:p14="http://schemas.microsoft.com/office/powerpoint/2010/main" val="1965596183"/>
+      </p:ext>
+    </p:extLst>
+  </p:cSld>
+  <p:clrMapOvr>
+    <a:masterClrMapping/>
+  </p:clrMapOvr>
+  <mc:AlternateContent xmlns:mc="http://schemas.openxmlformats.org/markup-compatibility/2006" xmlns:p14="http://schemas.microsoft.com/office/powerpoint/2010/main">
+    <mc:Choice Requires="p14">
+      <p:transition spd="slow" p14:dur="1600" advClick="0">
+        <p14:prism isInverted="1"/>
+      </p:transition>
+    </mc:Choice>
+    <mc:Fallback xmlns="">
+      <p:transition spd="slow" advClick="0">
+        <p:fade/>
+      </p:transition>
+    </mc:Fallback>
+  </mc:AlternateContent>
+</p:sld>
+</file>
+
+<file path=ppt/slides/slide15.xml><?xml version="1.0" encoding="utf-8"?>
+<p:sld xmlns:a="http://schemas.openxmlformats.org/drawingml/2006/main" xmlns:r="http://schemas.openxmlformats.org/officeDocument/2006/relationships" xmlns:p="http://schemas.openxmlformats.org/presentationml/2006/main">
+  <p:cSld>
+    <p:spTree>
+      <p:nvGrpSpPr>
+        <p:cNvPr id="1" name=""/>
+        <p:cNvGrpSpPr/>
+        <p:nvPr/>
+      </p:nvGrpSpPr>
+      <p:grpSpPr>
+        <a:xfrm>
+          <a:off x="0" y="0"/>
+          <a:ext cx="0" cy="0"/>
+          <a:chOff x="0" y="0"/>
+          <a:chExt cx="0" cy="0"/>
+        </a:xfrm>
+      </p:grpSpPr>
+      <p:grpSp>
+        <p:nvGrpSpPr>
+          <p:cNvPr id="5" name="组合 4"/>
+          <p:cNvGrpSpPr/>
+          <p:nvPr/>
+        </p:nvGrpSpPr>
+        <p:grpSpPr>
+          <a:xfrm>
+            <a:off x="645215" y="261588"/>
+            <a:ext cx="3573856" cy="347632"/>
+            <a:chOff x="709386" y="309785"/>
+            <a:chExt cx="2261711" cy="347632"/>
+          </a:xfrm>
+        </p:grpSpPr>
+        <p:sp>
+          <p:nvSpPr>
+            <p:cNvPr id="31" name="文本框 15"/>
+            <p:cNvSpPr txBox="1"/>
+            <p:nvPr/>
+          </p:nvSpPr>
+          <p:spPr>
+            <a:xfrm>
+              <a:off x="709386" y="309785"/>
+              <a:ext cx="2261711" cy="329565"/>
+            </a:xfrm>
+            <a:prstGeom prst="rect">
+              <a:avLst/>
+            </a:prstGeom>
+            <a:noFill/>
+          </p:spPr>
+          <p:txBody>
+            <a:bodyPr wrap="square" lIns="68580" tIns="34290" rIns="68580" bIns="34290" rtlCol="0">
+              <a:spAutoFit/>
+            </a:bodyPr>
+            <a:lstStyle/>
+            <a:p>
+              <a:r>
+                <a:rPr lang="en-US" altLang="zh-CN" sz="1700" b="1" dirty="0">
+                  <a:solidFill>
+                    <a:srgbClr val="1B4367"/>
+                  </a:solidFill>
+                  <a:cs typeface="+mn-ea"/>
+                  <a:sym typeface="+mn-lt"/>
+                </a:rPr>
+                <a:t> </a:t>
+              </a:r>
+              <a:r>
+                <a:rPr lang="zh-CN" altLang="en-US" sz="1700" b="1" dirty="0">
+                  <a:solidFill>
+                    <a:srgbClr val="1B4367"/>
+                  </a:solidFill>
+                  <a:cs typeface="+mn-ea"/>
+                  <a:sym typeface="+mn-lt"/>
+                </a:rPr>
+                <a:t>部署工具</a:t>
+              </a:r>
+            </a:p>
+          </p:txBody>
+        </p:sp>
+        <p:cxnSp>
+          <p:nvCxnSpPr>
+            <p:cNvPr id="20" name="直接连接符 19"/>
+            <p:cNvCxnSpPr/>
+            <p:nvPr/>
+          </p:nvCxnSpPr>
+          <p:spPr>
+            <a:xfrm>
+              <a:off x="774478" y="657417"/>
+              <a:ext cx="480259" cy="0"/>
+            </a:xfrm>
+            <a:prstGeom prst="line">
+              <a:avLst/>
+            </a:prstGeom>
+            <a:ln w="9525">
+              <a:solidFill>
+                <a:srgbClr val="1B4367"/>
+              </a:solidFill>
+            </a:ln>
+          </p:spPr>
+          <p:style>
+            <a:lnRef idx="1">
+              <a:schemeClr val="accent1"/>
+            </a:lnRef>
+            <a:fillRef idx="0">
+              <a:schemeClr val="accent1"/>
+            </a:fillRef>
+            <a:effectRef idx="0">
+              <a:schemeClr val="accent1"/>
+            </a:effectRef>
+            <a:fontRef idx="minor">
+              <a:schemeClr val="tx1"/>
+            </a:fontRef>
+          </p:style>
+        </p:cxnSp>
+      </p:grpSp>
+      <p:sp>
+        <p:nvSpPr>
+          <p:cNvPr id="28" name="Rectangle 1"/>
+          <p:cNvSpPr>
+            <a:spLocks noChangeArrowheads="1"/>
+          </p:cNvSpPr>
+          <p:nvPr/>
+        </p:nvSpPr>
+        <p:spPr bwMode="auto">
+          <a:xfrm>
+            <a:off x="1301750" y="1368425"/>
+            <a:ext cx="9144000" cy="0"/>
+          </a:xfrm>
+          <a:prstGeom prst="rect">
+            <a:avLst/>
+          </a:prstGeom>
+          <a:noFill/>
+          <a:ln>
+            <a:noFill/>
+          </a:ln>
+          <a:effectLst/>
+          <a:extLst>
+            <a:ext uri="{909E8E84-426E-40DD-AFC4-6F175D3DCCD1}">
+              <a14:hiddenFill xmlns:a14="http://schemas.microsoft.com/office/drawing/2010/main">
+                <a:solidFill>
+                  <a:schemeClr val="accent1"/>
+                </a:solidFill>
+              </a14:hiddenFill>
+            </a:ext>
+            <a:ext uri="{91240B29-F687-4F45-9708-019B960494DF}">
+              <a14:hiddenLine xmlns:a14="http://schemas.microsoft.com/office/drawing/2010/main" w="9525">
+                <a:solidFill>
+                  <a:schemeClr val="tx1"/>
+                </a:solidFill>
+                <a:miter lim="800000"/>
+                <a:headEnd/>
+                <a:tailEnd/>
+              </a14:hiddenLine>
+            </a:ext>
+            <a:ext uri="{AF507438-7753-43E0-B8FC-AC1667EBCBE1}">
+              <a14:hiddenEffects xmlns:a14="http://schemas.microsoft.com/office/drawing/2010/main">
+                <a:effectLst>
+                  <a:outerShdw dist="35921" dir="2700000" algn="ctr" rotWithShape="0">
+                    <a:schemeClr val="bg2"/>
+                  </a:outerShdw>
+                </a:effectLst>
+              </a14:hiddenEffects>
+            </a:ext>
+          </a:extLst>
+        </p:spPr>
+        <p:txBody>
+          <a:bodyPr vert="horz" wrap="none" lIns="91440" tIns="45720" rIns="91440" bIns="45720" numCol="1" anchor="ctr" anchorCtr="0" compatLnSpc="1">
+            <a:spAutoFit/>
+          </a:bodyPr>
+          <a:lstStyle/>
+          <a:p>
+            <a:pPr marL="0" marR="0" lvl="0" indent="0" algn="l" defTabSz="914400" rtl="0" eaLnBrk="0" fontAlgn="base" latinLnBrk="0" hangingPunct="0">
+              <a:lnSpc>
+                <a:spcPct val="100000"/>
+              </a:lnSpc>
+              <a:spcBef>
+                <a:spcPct val="0"/>
+              </a:spcBef>
+              <a:spcAft>
+                <a:spcPct val="0"/>
+              </a:spcAft>
+              <a:buClrTx/>
+              <a:buSzTx/>
+              <a:buFontTx/>
+              <a:buNone/>
+            </a:pPr>
+            <a:br>
+              <a:rPr kumimoji="0" lang="zh-CN" altLang="zh-CN" sz="1800" b="0" i="0" u="none" strike="noStrike" cap="none" normalizeH="0" baseline="0">
+                <a:ln>
+                  <a:noFill/>
+                </a:ln>
+                <a:solidFill>
+                  <a:schemeClr val="tx1"/>
+                </a:solidFill>
+                <a:effectLst/>
+                <a:latin typeface="Arial" panose="020B0604020202090204" pitchFamily="34" charset="0"/>
+              </a:rPr>
+            </a:br>
+            <a:endParaRPr kumimoji="0" lang="zh-CN" altLang="zh-CN" sz="1800" b="0" i="0" u="none" strike="noStrike" cap="none" normalizeH="0" baseline="0">
+              <a:ln>
+                <a:noFill/>
+              </a:ln>
+              <a:solidFill>
+                <a:schemeClr val="tx1"/>
+              </a:solidFill>
+              <a:effectLst/>
+              <a:latin typeface="Arial" panose="020B0604020202090204" pitchFamily="34" charset="0"/>
+            </a:endParaRPr>
+          </a:p>
+        </p:txBody>
+      </p:sp>
       <p:pic>
         <p:nvPicPr>
           <p:cNvPr id="6" name="图片 5">
@@ -6012,7 +7454,7 @@
 </p:sld>
 </file>
 
-<file path=ppt/slides/slide12.xml><?xml version="1.0" encoding="utf-8"?>
+<file path=ppt/slides/slide16.xml><?xml version="1.0" encoding="utf-8"?>
 <p:sld xmlns:a="http://schemas.openxmlformats.org/drawingml/2006/main" xmlns:r="http://schemas.openxmlformats.org/officeDocument/2006/relationships" xmlns:p="http://schemas.openxmlformats.org/presentationml/2006/main">
   <p:cSld>
     <p:spTree>
@@ -6517,7 +7959,7 @@
 </p:sld>
 </file>
 
-<file path=ppt/slides/slide13.xml><?xml version="1.0" encoding="utf-8"?>
+<file path=ppt/slides/slide17.xml><?xml version="1.0" encoding="utf-8"?>
 <p:sld xmlns:a="http://schemas.openxmlformats.org/drawingml/2006/main" xmlns:r="http://schemas.openxmlformats.org/officeDocument/2006/relationships" xmlns:p="http://schemas.openxmlformats.org/presentationml/2006/main">
   <p:cSld>
     <p:spTree>
@@ -6739,7 +8181,7 @@
         </p:nvSpPr>
         <p:spPr>
           <a:xfrm>
-            <a:off x="3040703" y="1663809"/>
+            <a:off x="3040703" y="1609101"/>
             <a:ext cx="2356735" cy="1815882"/>
           </a:xfrm>
           <a:prstGeom prst="rect">
@@ -6892,7 +8334,7 @@
 </p:sld>
 </file>
 
-<file path=ppt/slides/slide14.xml><?xml version="1.0" encoding="utf-8"?>
+<file path=ppt/slides/slide18.xml><?xml version="1.0" encoding="utf-8"?>
 <p:sld xmlns:a="http://schemas.openxmlformats.org/drawingml/2006/main" xmlns:r="http://schemas.openxmlformats.org/officeDocument/2006/relationships" xmlns:p="http://schemas.openxmlformats.org/presentationml/2006/main">
   <p:cSld>
     <p:bg>
@@ -10582,7 +12024,7 @@
                         <a:buNone/>
                       </a:pPr>
                       <a:r>
-                        <a:rPr lang="zh-CN" altLang="en-US" sz="1100" b="0" kern="1200">
+                        <a:rPr lang="zh-CN" altLang="en-US" sz="1100" b="0" kern="1200" dirty="0">
                           <a:solidFill>
                             <a:srgbClr val="1B4367"/>
                           </a:solidFill>
@@ -10715,7 +12157,7 @@
                         <a:buNone/>
                       </a:pPr>
                       <a:r>
-                        <a:rPr lang="zh-CN" altLang="en-US" sz="1100" b="0" kern="1200">
+                        <a:rPr lang="zh-CN" altLang="en-US" sz="1100" b="0" kern="1200" dirty="0">
                           <a:solidFill>
                             <a:srgbClr val="1B4367"/>
                           </a:solidFill>
@@ -10778,7 +12220,7 @@
                         <a:buNone/>
                       </a:pPr>
                       <a:r>
-                        <a:rPr lang="zh-CN" altLang="en-US" sz="1100" b="0" kern="1200">
+                        <a:rPr lang="zh-CN" altLang="en-US" sz="1100" b="0" kern="1200" dirty="0">
                           <a:solidFill>
                             <a:srgbClr val="1B4367"/>
                           </a:solidFill>
@@ -10863,6 +12305,1076 @@
 </file>
 
 <file path=ppt/slides/slide3.xml><?xml version="1.0" encoding="utf-8"?>
+<p:sld xmlns:a="http://schemas.openxmlformats.org/drawingml/2006/main" xmlns:r="http://schemas.openxmlformats.org/officeDocument/2006/relationships" xmlns:p="http://schemas.openxmlformats.org/presentationml/2006/main">
+  <p:cSld>
+    <p:spTree>
+      <p:nvGrpSpPr>
+        <p:cNvPr id="1" name=""/>
+        <p:cNvGrpSpPr/>
+        <p:nvPr/>
+      </p:nvGrpSpPr>
+      <p:grpSpPr>
+        <a:xfrm>
+          <a:off x="0" y="0"/>
+          <a:ext cx="0" cy="0"/>
+          <a:chOff x="0" y="0"/>
+          <a:chExt cx="0" cy="0"/>
+        </a:xfrm>
+      </p:grpSpPr>
+      <p:grpSp>
+        <p:nvGrpSpPr>
+          <p:cNvPr id="5" name="组合 4"/>
+          <p:cNvGrpSpPr/>
+          <p:nvPr/>
+        </p:nvGrpSpPr>
+        <p:grpSpPr>
+          <a:xfrm>
+            <a:off x="645215" y="261588"/>
+            <a:ext cx="3573856" cy="347632"/>
+            <a:chOff x="709386" y="309785"/>
+            <a:chExt cx="2261711" cy="347632"/>
+          </a:xfrm>
+        </p:grpSpPr>
+        <p:sp>
+          <p:nvSpPr>
+            <p:cNvPr id="31" name="文本框 15"/>
+            <p:cNvSpPr txBox="1"/>
+            <p:nvPr/>
+          </p:nvSpPr>
+          <p:spPr>
+            <a:xfrm>
+              <a:off x="709386" y="309785"/>
+              <a:ext cx="2261711" cy="329565"/>
+            </a:xfrm>
+            <a:prstGeom prst="rect">
+              <a:avLst/>
+            </a:prstGeom>
+            <a:noFill/>
+          </p:spPr>
+          <p:txBody>
+            <a:bodyPr wrap="square" lIns="68580" tIns="34290" rIns="68580" bIns="34290" rtlCol="0">
+              <a:spAutoFit/>
+            </a:bodyPr>
+            <a:lstStyle/>
+            <a:p>
+              <a:r>
+                <a:rPr lang="en-US" altLang="zh-CN" sz="1700" b="1" dirty="0">
+                  <a:solidFill>
+                    <a:srgbClr val="1B4367"/>
+                  </a:solidFill>
+                  <a:cs typeface="+mn-ea"/>
+                  <a:sym typeface="+mn-lt"/>
+                </a:rPr>
+                <a:t> </a:t>
+              </a:r>
+              <a:r>
+                <a:rPr lang="zh-CN" altLang="en-US" sz="1700" b="1" dirty="0">
+                  <a:solidFill>
+                    <a:srgbClr val="1B4367"/>
+                  </a:solidFill>
+                  <a:cs typeface="+mn-ea"/>
+                  <a:sym typeface="+mn-lt"/>
+                </a:rPr>
+                <a:t>项目完成情况</a:t>
+              </a:r>
+            </a:p>
+          </p:txBody>
+        </p:sp>
+        <p:cxnSp>
+          <p:nvCxnSpPr>
+            <p:cNvPr id="20" name="直接连接符 19"/>
+            <p:cNvCxnSpPr/>
+            <p:nvPr/>
+          </p:nvCxnSpPr>
+          <p:spPr>
+            <a:xfrm>
+              <a:off x="774478" y="657417"/>
+              <a:ext cx="480259" cy="0"/>
+            </a:xfrm>
+            <a:prstGeom prst="line">
+              <a:avLst/>
+            </a:prstGeom>
+            <a:ln w="9525">
+              <a:solidFill>
+                <a:srgbClr val="1B4367"/>
+              </a:solidFill>
+            </a:ln>
+          </p:spPr>
+          <p:style>
+            <a:lnRef idx="1">
+              <a:schemeClr val="accent1"/>
+            </a:lnRef>
+            <a:fillRef idx="0">
+              <a:schemeClr val="accent1"/>
+            </a:fillRef>
+            <a:effectRef idx="0">
+              <a:schemeClr val="accent1"/>
+            </a:effectRef>
+            <a:fontRef idx="minor">
+              <a:schemeClr val="tx1"/>
+            </a:fontRef>
+          </p:style>
+        </p:cxnSp>
+      </p:grpSp>
+      <p:sp>
+        <p:nvSpPr>
+          <p:cNvPr id="28" name="Rectangle 1"/>
+          <p:cNvSpPr>
+            <a:spLocks noChangeArrowheads="1"/>
+          </p:cNvSpPr>
+          <p:nvPr/>
+        </p:nvSpPr>
+        <p:spPr bwMode="auto">
+          <a:xfrm>
+            <a:off x="1301750" y="1368425"/>
+            <a:ext cx="9144000" cy="0"/>
+          </a:xfrm>
+          <a:prstGeom prst="rect">
+            <a:avLst/>
+          </a:prstGeom>
+          <a:noFill/>
+          <a:ln>
+            <a:noFill/>
+          </a:ln>
+          <a:effectLst/>
+          <a:extLst>
+            <a:ext uri="{909E8E84-426E-40DD-AFC4-6F175D3DCCD1}">
+              <a14:hiddenFill xmlns:a14="http://schemas.microsoft.com/office/drawing/2010/main">
+                <a:solidFill>
+                  <a:schemeClr val="accent1"/>
+                </a:solidFill>
+              </a14:hiddenFill>
+            </a:ext>
+            <a:ext uri="{91240B29-F687-4F45-9708-019B960494DF}">
+              <a14:hiddenLine xmlns:a14="http://schemas.microsoft.com/office/drawing/2010/main" w="9525">
+                <a:solidFill>
+                  <a:schemeClr val="tx1"/>
+                </a:solidFill>
+                <a:miter lim="800000"/>
+                <a:headEnd/>
+                <a:tailEnd/>
+              </a14:hiddenLine>
+            </a:ext>
+            <a:ext uri="{AF507438-7753-43E0-B8FC-AC1667EBCBE1}">
+              <a14:hiddenEffects xmlns:a14="http://schemas.microsoft.com/office/drawing/2010/main">
+                <a:effectLst>
+                  <a:outerShdw dist="35921" dir="2700000" algn="ctr" rotWithShape="0">
+                    <a:schemeClr val="bg2"/>
+                  </a:outerShdw>
+                </a:effectLst>
+              </a14:hiddenEffects>
+            </a:ext>
+          </a:extLst>
+        </p:spPr>
+        <p:txBody>
+          <a:bodyPr vert="horz" wrap="none" lIns="91440" tIns="45720" rIns="91440" bIns="45720" numCol="1" anchor="ctr" anchorCtr="0" compatLnSpc="1">
+            <a:spAutoFit/>
+          </a:bodyPr>
+          <a:lstStyle/>
+          <a:p>
+            <a:pPr marL="0" marR="0" lvl="0" indent="0" algn="l" defTabSz="914400" rtl="0" eaLnBrk="0" fontAlgn="base" latinLnBrk="0" hangingPunct="0">
+              <a:lnSpc>
+                <a:spcPct val="100000"/>
+              </a:lnSpc>
+              <a:spcBef>
+                <a:spcPct val="0"/>
+              </a:spcBef>
+              <a:spcAft>
+                <a:spcPct val="0"/>
+              </a:spcAft>
+              <a:buClrTx/>
+              <a:buSzTx/>
+              <a:buFontTx/>
+              <a:buNone/>
+            </a:pPr>
+            <a:br>
+              <a:rPr kumimoji="0" lang="zh-CN" altLang="zh-CN" sz="1800" b="0" i="0" u="none" strike="noStrike" cap="none" normalizeH="0" baseline="0">
+                <a:ln>
+                  <a:noFill/>
+                </a:ln>
+                <a:solidFill>
+                  <a:schemeClr val="tx1"/>
+                </a:solidFill>
+                <a:effectLst/>
+                <a:latin typeface="Arial" panose="020B0604020202090204" pitchFamily="34" charset="0"/>
+              </a:rPr>
+            </a:br>
+            <a:endParaRPr kumimoji="0" lang="zh-CN" altLang="zh-CN" sz="1800" b="0" i="0" u="none" strike="noStrike" cap="none" normalizeH="0" baseline="0">
+              <a:ln>
+                <a:noFill/>
+              </a:ln>
+              <a:solidFill>
+                <a:schemeClr val="tx1"/>
+              </a:solidFill>
+              <a:effectLst/>
+              <a:latin typeface="Arial" panose="020B0604020202090204" pitchFamily="34" charset="0"/>
+            </a:endParaRPr>
+          </a:p>
+        </p:txBody>
+      </p:sp>
+      <p:pic>
+        <p:nvPicPr>
+          <p:cNvPr id="9" name="图片 8">
+            <a:extLst>
+              <a:ext uri="{FF2B5EF4-FFF2-40B4-BE49-F238E27FC236}">
+                <a16:creationId xmlns:a16="http://schemas.microsoft.com/office/drawing/2014/main" id="{E45B6AB2-98A6-804C-A423-0CF73EC56E63}"/>
+              </a:ext>
+            </a:extLst>
+          </p:cNvPr>
+          <p:cNvPicPr/>
+          <p:nvPr/>
+        </p:nvPicPr>
+        <p:blipFill>
+          <a:blip r:embed="rId3">
+            <a:extLst>
+              <a:ext uri="{28A0092B-C50C-407E-A947-70E740481C1C}">
+                <a14:useLocalDpi xmlns:a14="http://schemas.microsoft.com/office/drawing/2010/main" val="0"/>
+              </a:ext>
+            </a:extLst>
+          </a:blip>
+          <a:stretch>
+            <a:fillRect/>
+          </a:stretch>
+        </p:blipFill>
+        <p:spPr>
+          <a:xfrm>
+            <a:off x="1359926" y="920921"/>
+            <a:ext cx="6482324" cy="3799568"/>
+          </a:xfrm>
+          <a:prstGeom prst="rect">
+            <a:avLst/>
+          </a:prstGeom>
+        </p:spPr>
+      </p:pic>
+    </p:spTree>
+    <p:extLst>
+      <p:ext uri="{BB962C8B-B14F-4D97-AF65-F5344CB8AC3E}">
+        <p14:creationId xmlns:p14="http://schemas.microsoft.com/office/powerpoint/2010/main" val="2695794176"/>
+      </p:ext>
+    </p:extLst>
+  </p:cSld>
+  <p:clrMapOvr>
+    <a:masterClrMapping/>
+  </p:clrMapOvr>
+  <mc:AlternateContent xmlns:mc="http://schemas.openxmlformats.org/markup-compatibility/2006" xmlns:p14="http://schemas.microsoft.com/office/powerpoint/2010/main">
+    <mc:Choice Requires="p14">
+      <p:transition spd="slow" p14:dur="1600" advClick="0">
+        <p14:prism isInverted="1"/>
+      </p:transition>
+    </mc:Choice>
+    <mc:Fallback xmlns="">
+      <p:transition spd="slow" advClick="0">
+        <p:fade/>
+      </p:transition>
+    </mc:Fallback>
+  </mc:AlternateContent>
+</p:sld>
+</file>
+
+<file path=ppt/slides/slide4.xml><?xml version="1.0" encoding="utf-8"?>
+<p:sld xmlns:a="http://schemas.openxmlformats.org/drawingml/2006/main" xmlns:r="http://schemas.openxmlformats.org/officeDocument/2006/relationships" xmlns:p="http://schemas.openxmlformats.org/presentationml/2006/main">
+  <p:cSld>
+    <p:spTree>
+      <p:nvGrpSpPr>
+        <p:cNvPr id="1" name=""/>
+        <p:cNvGrpSpPr/>
+        <p:nvPr/>
+      </p:nvGrpSpPr>
+      <p:grpSpPr>
+        <a:xfrm>
+          <a:off x="0" y="0"/>
+          <a:ext cx="0" cy="0"/>
+          <a:chOff x="0" y="0"/>
+          <a:chExt cx="0" cy="0"/>
+        </a:xfrm>
+      </p:grpSpPr>
+      <p:grpSp>
+        <p:nvGrpSpPr>
+          <p:cNvPr id="5" name="组合 4"/>
+          <p:cNvGrpSpPr/>
+          <p:nvPr/>
+        </p:nvGrpSpPr>
+        <p:grpSpPr>
+          <a:xfrm>
+            <a:off x="645215" y="261588"/>
+            <a:ext cx="3573856" cy="347632"/>
+            <a:chOff x="709386" y="309785"/>
+            <a:chExt cx="2261711" cy="347632"/>
+          </a:xfrm>
+        </p:grpSpPr>
+        <p:sp>
+          <p:nvSpPr>
+            <p:cNvPr id="31" name="文本框 15"/>
+            <p:cNvSpPr txBox="1"/>
+            <p:nvPr/>
+          </p:nvSpPr>
+          <p:spPr>
+            <a:xfrm>
+              <a:off x="709386" y="309785"/>
+              <a:ext cx="2261711" cy="329565"/>
+            </a:xfrm>
+            <a:prstGeom prst="rect">
+              <a:avLst/>
+            </a:prstGeom>
+            <a:noFill/>
+          </p:spPr>
+          <p:txBody>
+            <a:bodyPr wrap="square" lIns="68580" tIns="34290" rIns="68580" bIns="34290" rtlCol="0">
+              <a:spAutoFit/>
+            </a:bodyPr>
+            <a:lstStyle/>
+            <a:p>
+              <a:r>
+                <a:rPr lang="en-US" altLang="zh-CN" sz="1700" b="1" dirty="0">
+                  <a:solidFill>
+                    <a:srgbClr val="1B4367"/>
+                  </a:solidFill>
+                  <a:cs typeface="+mn-ea"/>
+                  <a:sym typeface="+mn-lt"/>
+                </a:rPr>
+                <a:t> </a:t>
+              </a:r>
+              <a:r>
+                <a:rPr lang="zh-CN" altLang="en-US" sz="1700" b="1" dirty="0">
+                  <a:solidFill>
+                    <a:srgbClr val="1B4367"/>
+                  </a:solidFill>
+                  <a:cs typeface="+mn-ea"/>
+                  <a:sym typeface="+mn-lt"/>
+                </a:rPr>
+                <a:t>项目完成情况</a:t>
+              </a:r>
+            </a:p>
+          </p:txBody>
+        </p:sp>
+        <p:cxnSp>
+          <p:nvCxnSpPr>
+            <p:cNvPr id="20" name="直接连接符 19"/>
+            <p:cNvCxnSpPr/>
+            <p:nvPr/>
+          </p:nvCxnSpPr>
+          <p:spPr>
+            <a:xfrm>
+              <a:off x="774478" y="657417"/>
+              <a:ext cx="480259" cy="0"/>
+            </a:xfrm>
+            <a:prstGeom prst="line">
+              <a:avLst/>
+            </a:prstGeom>
+            <a:ln w="9525">
+              <a:solidFill>
+                <a:srgbClr val="1B4367"/>
+              </a:solidFill>
+            </a:ln>
+          </p:spPr>
+          <p:style>
+            <a:lnRef idx="1">
+              <a:schemeClr val="accent1"/>
+            </a:lnRef>
+            <a:fillRef idx="0">
+              <a:schemeClr val="accent1"/>
+            </a:fillRef>
+            <a:effectRef idx="0">
+              <a:schemeClr val="accent1"/>
+            </a:effectRef>
+            <a:fontRef idx="minor">
+              <a:schemeClr val="tx1"/>
+            </a:fontRef>
+          </p:style>
+        </p:cxnSp>
+      </p:grpSp>
+      <p:sp>
+        <p:nvSpPr>
+          <p:cNvPr id="28" name="Rectangle 1"/>
+          <p:cNvSpPr>
+            <a:spLocks noChangeArrowheads="1"/>
+          </p:cNvSpPr>
+          <p:nvPr/>
+        </p:nvSpPr>
+        <p:spPr bwMode="auto">
+          <a:xfrm>
+            <a:off x="1301750" y="1368425"/>
+            <a:ext cx="9144000" cy="0"/>
+          </a:xfrm>
+          <a:prstGeom prst="rect">
+            <a:avLst/>
+          </a:prstGeom>
+          <a:noFill/>
+          <a:ln>
+            <a:noFill/>
+          </a:ln>
+          <a:effectLst/>
+          <a:extLst>
+            <a:ext uri="{909E8E84-426E-40DD-AFC4-6F175D3DCCD1}">
+              <a14:hiddenFill xmlns:a14="http://schemas.microsoft.com/office/drawing/2010/main">
+                <a:solidFill>
+                  <a:schemeClr val="accent1"/>
+                </a:solidFill>
+              </a14:hiddenFill>
+            </a:ext>
+            <a:ext uri="{91240B29-F687-4F45-9708-019B960494DF}">
+              <a14:hiddenLine xmlns:a14="http://schemas.microsoft.com/office/drawing/2010/main" w="9525">
+                <a:solidFill>
+                  <a:schemeClr val="tx1"/>
+                </a:solidFill>
+                <a:miter lim="800000"/>
+                <a:headEnd/>
+                <a:tailEnd/>
+              </a14:hiddenLine>
+            </a:ext>
+            <a:ext uri="{AF507438-7753-43E0-B8FC-AC1667EBCBE1}">
+              <a14:hiddenEffects xmlns:a14="http://schemas.microsoft.com/office/drawing/2010/main">
+                <a:effectLst>
+                  <a:outerShdw dist="35921" dir="2700000" algn="ctr" rotWithShape="0">
+                    <a:schemeClr val="bg2"/>
+                  </a:outerShdw>
+                </a:effectLst>
+              </a14:hiddenEffects>
+            </a:ext>
+          </a:extLst>
+        </p:spPr>
+        <p:txBody>
+          <a:bodyPr vert="horz" wrap="none" lIns="91440" tIns="45720" rIns="91440" bIns="45720" numCol="1" anchor="ctr" anchorCtr="0" compatLnSpc="1">
+            <a:spAutoFit/>
+          </a:bodyPr>
+          <a:lstStyle/>
+          <a:p>
+            <a:pPr marL="0" marR="0" lvl="0" indent="0" algn="l" defTabSz="914400" rtl="0" eaLnBrk="0" fontAlgn="base" latinLnBrk="0" hangingPunct="0">
+              <a:lnSpc>
+                <a:spcPct val="100000"/>
+              </a:lnSpc>
+              <a:spcBef>
+                <a:spcPct val="0"/>
+              </a:spcBef>
+              <a:spcAft>
+                <a:spcPct val="0"/>
+              </a:spcAft>
+              <a:buClrTx/>
+              <a:buSzTx/>
+              <a:buFontTx/>
+              <a:buNone/>
+            </a:pPr>
+            <a:br>
+              <a:rPr kumimoji="0" lang="zh-CN" altLang="zh-CN" sz="1800" b="0" i="0" u="none" strike="noStrike" cap="none" normalizeH="0" baseline="0">
+                <a:ln>
+                  <a:noFill/>
+                </a:ln>
+                <a:solidFill>
+                  <a:schemeClr val="tx1"/>
+                </a:solidFill>
+                <a:effectLst/>
+                <a:latin typeface="Arial" panose="020B0604020202090204" pitchFamily="34" charset="0"/>
+              </a:rPr>
+            </a:br>
+            <a:endParaRPr kumimoji="0" lang="zh-CN" altLang="zh-CN" sz="1800" b="0" i="0" u="none" strike="noStrike" cap="none" normalizeH="0" baseline="0">
+              <a:ln>
+                <a:noFill/>
+              </a:ln>
+              <a:solidFill>
+                <a:schemeClr val="tx1"/>
+              </a:solidFill>
+              <a:effectLst/>
+              <a:latin typeface="Arial" panose="020B0604020202090204" pitchFamily="34" charset="0"/>
+            </a:endParaRPr>
+          </a:p>
+        </p:txBody>
+      </p:sp>
+      <p:pic>
+        <p:nvPicPr>
+          <p:cNvPr id="7" name="图片 6">
+            <a:extLst>
+              <a:ext uri="{FF2B5EF4-FFF2-40B4-BE49-F238E27FC236}">
+                <a16:creationId xmlns:a16="http://schemas.microsoft.com/office/drawing/2014/main" id="{13BAAE9A-795A-EF4A-A9F8-992F84FDC8E1}"/>
+              </a:ext>
+            </a:extLst>
+          </p:cNvPr>
+          <p:cNvPicPr/>
+          <p:nvPr/>
+        </p:nvPicPr>
+        <p:blipFill>
+          <a:blip r:embed="rId3" cstate="print">
+            <a:extLst>
+              <a:ext uri="{28A0092B-C50C-407E-A947-70E740481C1C}">
+                <a14:useLocalDpi xmlns:a14="http://schemas.microsoft.com/office/drawing/2010/main" val="0"/>
+              </a:ext>
+            </a:extLst>
+          </a:blip>
+          <a:stretch>
+            <a:fillRect/>
+          </a:stretch>
+        </p:blipFill>
+        <p:spPr>
+          <a:xfrm>
+            <a:off x="1506955" y="953891"/>
+            <a:ext cx="6199013" cy="3680603"/>
+          </a:xfrm>
+          <a:prstGeom prst="rect">
+            <a:avLst/>
+          </a:prstGeom>
+        </p:spPr>
+      </p:pic>
+    </p:spTree>
+    <p:extLst>
+      <p:ext uri="{BB962C8B-B14F-4D97-AF65-F5344CB8AC3E}">
+        <p14:creationId xmlns:p14="http://schemas.microsoft.com/office/powerpoint/2010/main" val="3603111516"/>
+      </p:ext>
+    </p:extLst>
+  </p:cSld>
+  <p:clrMapOvr>
+    <a:masterClrMapping/>
+  </p:clrMapOvr>
+  <mc:AlternateContent xmlns:mc="http://schemas.openxmlformats.org/markup-compatibility/2006" xmlns:p14="http://schemas.microsoft.com/office/powerpoint/2010/main">
+    <mc:Choice Requires="p14">
+      <p:transition spd="slow" p14:dur="1600" advClick="0">
+        <p14:prism isInverted="1"/>
+      </p:transition>
+    </mc:Choice>
+    <mc:Fallback xmlns="">
+      <p:transition spd="slow" advClick="0">
+        <p:fade/>
+      </p:transition>
+    </mc:Fallback>
+  </mc:AlternateContent>
+</p:sld>
+</file>
+
+<file path=ppt/slides/slide5.xml><?xml version="1.0" encoding="utf-8"?>
+<p:sld xmlns:a="http://schemas.openxmlformats.org/drawingml/2006/main" xmlns:r="http://schemas.openxmlformats.org/officeDocument/2006/relationships" xmlns:p="http://schemas.openxmlformats.org/presentationml/2006/main">
+  <p:cSld>
+    <p:spTree>
+      <p:nvGrpSpPr>
+        <p:cNvPr id="1" name=""/>
+        <p:cNvGrpSpPr/>
+        <p:nvPr/>
+      </p:nvGrpSpPr>
+      <p:grpSpPr>
+        <a:xfrm>
+          <a:off x="0" y="0"/>
+          <a:ext cx="0" cy="0"/>
+          <a:chOff x="0" y="0"/>
+          <a:chExt cx="0" cy="0"/>
+        </a:xfrm>
+      </p:grpSpPr>
+      <p:grpSp>
+        <p:nvGrpSpPr>
+          <p:cNvPr id="5" name="组合 4"/>
+          <p:cNvGrpSpPr/>
+          <p:nvPr/>
+        </p:nvGrpSpPr>
+        <p:grpSpPr>
+          <a:xfrm>
+            <a:off x="645215" y="261588"/>
+            <a:ext cx="3573856" cy="347632"/>
+            <a:chOff x="709386" y="309785"/>
+            <a:chExt cx="2261711" cy="347632"/>
+          </a:xfrm>
+        </p:grpSpPr>
+        <p:sp>
+          <p:nvSpPr>
+            <p:cNvPr id="31" name="文本框 15"/>
+            <p:cNvSpPr txBox="1"/>
+            <p:nvPr/>
+          </p:nvSpPr>
+          <p:spPr>
+            <a:xfrm>
+              <a:off x="709386" y="309785"/>
+              <a:ext cx="2261711" cy="329565"/>
+            </a:xfrm>
+            <a:prstGeom prst="rect">
+              <a:avLst/>
+            </a:prstGeom>
+            <a:noFill/>
+          </p:spPr>
+          <p:txBody>
+            <a:bodyPr wrap="square" lIns="68580" tIns="34290" rIns="68580" bIns="34290" rtlCol="0">
+              <a:spAutoFit/>
+            </a:bodyPr>
+            <a:lstStyle/>
+            <a:p>
+              <a:r>
+                <a:rPr lang="en-US" altLang="zh-CN" sz="1700" b="1" dirty="0">
+                  <a:solidFill>
+                    <a:srgbClr val="1B4367"/>
+                  </a:solidFill>
+                  <a:cs typeface="+mn-ea"/>
+                  <a:sym typeface="+mn-lt"/>
+                </a:rPr>
+                <a:t> </a:t>
+              </a:r>
+              <a:r>
+                <a:rPr lang="zh-CN" altLang="en-US" sz="1700" b="1" dirty="0">
+                  <a:solidFill>
+                    <a:srgbClr val="1B4367"/>
+                  </a:solidFill>
+                  <a:cs typeface="+mn-ea"/>
+                  <a:sym typeface="+mn-lt"/>
+                </a:rPr>
+                <a:t>项目完成情况</a:t>
+              </a:r>
+            </a:p>
+          </p:txBody>
+        </p:sp>
+        <p:cxnSp>
+          <p:nvCxnSpPr>
+            <p:cNvPr id="20" name="直接连接符 19"/>
+            <p:cNvCxnSpPr/>
+            <p:nvPr/>
+          </p:nvCxnSpPr>
+          <p:spPr>
+            <a:xfrm>
+              <a:off x="774478" y="657417"/>
+              <a:ext cx="480259" cy="0"/>
+            </a:xfrm>
+            <a:prstGeom prst="line">
+              <a:avLst/>
+            </a:prstGeom>
+            <a:ln w="9525">
+              <a:solidFill>
+                <a:srgbClr val="1B4367"/>
+              </a:solidFill>
+            </a:ln>
+          </p:spPr>
+          <p:style>
+            <a:lnRef idx="1">
+              <a:schemeClr val="accent1"/>
+            </a:lnRef>
+            <a:fillRef idx="0">
+              <a:schemeClr val="accent1"/>
+            </a:fillRef>
+            <a:effectRef idx="0">
+              <a:schemeClr val="accent1"/>
+            </a:effectRef>
+            <a:fontRef idx="minor">
+              <a:schemeClr val="tx1"/>
+            </a:fontRef>
+          </p:style>
+        </p:cxnSp>
+      </p:grpSp>
+      <p:sp>
+        <p:nvSpPr>
+          <p:cNvPr id="28" name="Rectangle 1"/>
+          <p:cNvSpPr>
+            <a:spLocks noChangeArrowheads="1"/>
+          </p:cNvSpPr>
+          <p:nvPr/>
+        </p:nvSpPr>
+        <p:spPr bwMode="auto">
+          <a:xfrm>
+            <a:off x="1301750" y="1368425"/>
+            <a:ext cx="9144000" cy="0"/>
+          </a:xfrm>
+          <a:prstGeom prst="rect">
+            <a:avLst/>
+          </a:prstGeom>
+          <a:noFill/>
+          <a:ln>
+            <a:noFill/>
+          </a:ln>
+          <a:effectLst/>
+          <a:extLst>
+            <a:ext uri="{909E8E84-426E-40DD-AFC4-6F175D3DCCD1}">
+              <a14:hiddenFill xmlns:a14="http://schemas.microsoft.com/office/drawing/2010/main">
+                <a:solidFill>
+                  <a:schemeClr val="accent1"/>
+                </a:solidFill>
+              </a14:hiddenFill>
+            </a:ext>
+            <a:ext uri="{91240B29-F687-4F45-9708-019B960494DF}">
+              <a14:hiddenLine xmlns:a14="http://schemas.microsoft.com/office/drawing/2010/main" w="9525">
+                <a:solidFill>
+                  <a:schemeClr val="tx1"/>
+                </a:solidFill>
+                <a:miter lim="800000"/>
+                <a:headEnd/>
+                <a:tailEnd/>
+              </a14:hiddenLine>
+            </a:ext>
+            <a:ext uri="{AF507438-7753-43E0-B8FC-AC1667EBCBE1}">
+              <a14:hiddenEffects xmlns:a14="http://schemas.microsoft.com/office/drawing/2010/main">
+                <a:effectLst>
+                  <a:outerShdw dist="35921" dir="2700000" algn="ctr" rotWithShape="0">
+                    <a:schemeClr val="bg2"/>
+                  </a:outerShdw>
+                </a:effectLst>
+              </a14:hiddenEffects>
+            </a:ext>
+          </a:extLst>
+        </p:spPr>
+        <p:txBody>
+          <a:bodyPr vert="horz" wrap="none" lIns="91440" tIns="45720" rIns="91440" bIns="45720" numCol="1" anchor="ctr" anchorCtr="0" compatLnSpc="1">
+            <a:spAutoFit/>
+          </a:bodyPr>
+          <a:lstStyle/>
+          <a:p>
+            <a:pPr marL="0" marR="0" lvl="0" indent="0" algn="l" defTabSz="914400" rtl="0" eaLnBrk="0" fontAlgn="base" latinLnBrk="0" hangingPunct="0">
+              <a:lnSpc>
+                <a:spcPct val="100000"/>
+              </a:lnSpc>
+              <a:spcBef>
+                <a:spcPct val="0"/>
+              </a:spcBef>
+              <a:spcAft>
+                <a:spcPct val="0"/>
+              </a:spcAft>
+              <a:buClrTx/>
+              <a:buSzTx/>
+              <a:buFontTx/>
+              <a:buNone/>
+            </a:pPr>
+            <a:br>
+              <a:rPr kumimoji="0" lang="zh-CN" altLang="zh-CN" sz="1800" b="0" i="0" u="none" strike="noStrike" cap="none" normalizeH="0" baseline="0">
+                <a:ln>
+                  <a:noFill/>
+                </a:ln>
+                <a:solidFill>
+                  <a:schemeClr val="tx1"/>
+                </a:solidFill>
+                <a:effectLst/>
+                <a:latin typeface="Arial" panose="020B0604020202090204" pitchFamily="34" charset="0"/>
+              </a:rPr>
+            </a:br>
+            <a:endParaRPr kumimoji="0" lang="zh-CN" altLang="zh-CN" sz="1800" b="0" i="0" u="none" strike="noStrike" cap="none" normalizeH="0" baseline="0">
+              <a:ln>
+                <a:noFill/>
+              </a:ln>
+              <a:solidFill>
+                <a:schemeClr val="tx1"/>
+              </a:solidFill>
+              <a:effectLst/>
+              <a:latin typeface="Arial" panose="020B0604020202090204" pitchFamily="34" charset="0"/>
+            </a:endParaRPr>
+          </a:p>
+        </p:txBody>
+      </p:sp>
+      <p:pic>
+        <p:nvPicPr>
+          <p:cNvPr id="7" name="图片 6">
+            <a:extLst>
+              <a:ext uri="{FF2B5EF4-FFF2-40B4-BE49-F238E27FC236}">
+                <a16:creationId xmlns:a16="http://schemas.microsoft.com/office/drawing/2014/main" id="{43644F65-8B6A-514E-844E-8B6BB11C04F1}"/>
+              </a:ext>
+            </a:extLst>
+          </p:cNvPr>
+          <p:cNvPicPr/>
+          <p:nvPr/>
+        </p:nvPicPr>
+        <p:blipFill>
+          <a:blip r:embed="rId3" cstate="print">
+            <a:extLst>
+              <a:ext uri="{28A0092B-C50C-407E-A947-70E740481C1C}">
+                <a14:useLocalDpi xmlns:a14="http://schemas.microsoft.com/office/drawing/2010/main" val="0"/>
+              </a:ext>
+            </a:extLst>
+          </a:blip>
+          <a:stretch>
+            <a:fillRect/>
+          </a:stretch>
+        </p:blipFill>
+        <p:spPr>
+          <a:xfrm>
+            <a:off x="1506955" y="1049092"/>
+            <a:ext cx="6050522" cy="3390034"/>
+          </a:xfrm>
+          <a:prstGeom prst="rect">
+            <a:avLst/>
+          </a:prstGeom>
+        </p:spPr>
+      </p:pic>
+    </p:spTree>
+    <p:extLst>
+      <p:ext uri="{BB962C8B-B14F-4D97-AF65-F5344CB8AC3E}">
+        <p14:creationId xmlns:p14="http://schemas.microsoft.com/office/powerpoint/2010/main" val="3898307190"/>
+      </p:ext>
+    </p:extLst>
+  </p:cSld>
+  <p:clrMapOvr>
+    <a:masterClrMapping/>
+  </p:clrMapOvr>
+  <mc:AlternateContent xmlns:mc="http://schemas.openxmlformats.org/markup-compatibility/2006" xmlns:p14="http://schemas.microsoft.com/office/powerpoint/2010/main">
+    <mc:Choice Requires="p14">
+      <p:transition spd="slow" p14:dur="1600" advClick="0">
+        <p14:prism isInverted="1"/>
+      </p:transition>
+    </mc:Choice>
+    <mc:Fallback xmlns="">
+      <p:transition spd="slow" advClick="0">
+        <p:fade/>
+      </p:transition>
+    </mc:Fallback>
+  </mc:AlternateContent>
+</p:sld>
+</file>
+
+<file path=ppt/slides/slide6.xml><?xml version="1.0" encoding="utf-8"?>
+<p:sld xmlns:a="http://schemas.openxmlformats.org/drawingml/2006/main" xmlns:r="http://schemas.openxmlformats.org/officeDocument/2006/relationships" xmlns:p="http://schemas.openxmlformats.org/presentationml/2006/main">
+  <p:cSld>
+    <p:spTree>
+      <p:nvGrpSpPr>
+        <p:cNvPr id="1" name=""/>
+        <p:cNvGrpSpPr/>
+        <p:nvPr/>
+      </p:nvGrpSpPr>
+      <p:grpSpPr>
+        <a:xfrm>
+          <a:off x="0" y="0"/>
+          <a:ext cx="0" cy="0"/>
+          <a:chOff x="0" y="0"/>
+          <a:chExt cx="0" cy="0"/>
+        </a:xfrm>
+      </p:grpSpPr>
+      <p:grpSp>
+        <p:nvGrpSpPr>
+          <p:cNvPr id="5" name="组合 4"/>
+          <p:cNvGrpSpPr/>
+          <p:nvPr/>
+        </p:nvGrpSpPr>
+        <p:grpSpPr>
+          <a:xfrm>
+            <a:off x="645215" y="261588"/>
+            <a:ext cx="3573856" cy="347632"/>
+            <a:chOff x="709386" y="309785"/>
+            <a:chExt cx="2261711" cy="347632"/>
+          </a:xfrm>
+        </p:grpSpPr>
+        <p:sp>
+          <p:nvSpPr>
+            <p:cNvPr id="31" name="文本框 15"/>
+            <p:cNvSpPr txBox="1"/>
+            <p:nvPr/>
+          </p:nvSpPr>
+          <p:spPr>
+            <a:xfrm>
+              <a:off x="709386" y="309785"/>
+              <a:ext cx="2261711" cy="329565"/>
+            </a:xfrm>
+            <a:prstGeom prst="rect">
+              <a:avLst/>
+            </a:prstGeom>
+            <a:noFill/>
+          </p:spPr>
+          <p:txBody>
+            <a:bodyPr wrap="square" lIns="68580" tIns="34290" rIns="68580" bIns="34290" rtlCol="0">
+              <a:spAutoFit/>
+            </a:bodyPr>
+            <a:lstStyle/>
+            <a:p>
+              <a:r>
+                <a:rPr lang="en-US" altLang="zh-CN" sz="1700" b="1" dirty="0">
+                  <a:solidFill>
+                    <a:srgbClr val="1B4367"/>
+                  </a:solidFill>
+                  <a:cs typeface="+mn-ea"/>
+                  <a:sym typeface="+mn-lt"/>
+                </a:rPr>
+                <a:t> </a:t>
+              </a:r>
+              <a:r>
+                <a:rPr lang="zh-CN" altLang="en-US" sz="1700" b="1" dirty="0">
+                  <a:solidFill>
+                    <a:srgbClr val="1B4367"/>
+                  </a:solidFill>
+                  <a:cs typeface="+mn-ea"/>
+                  <a:sym typeface="+mn-lt"/>
+                </a:rPr>
+                <a:t>项目完成情况</a:t>
+              </a:r>
+            </a:p>
+          </p:txBody>
+        </p:sp>
+        <p:cxnSp>
+          <p:nvCxnSpPr>
+            <p:cNvPr id="20" name="直接连接符 19"/>
+            <p:cNvCxnSpPr/>
+            <p:nvPr/>
+          </p:nvCxnSpPr>
+          <p:spPr>
+            <a:xfrm>
+              <a:off x="774478" y="657417"/>
+              <a:ext cx="480259" cy="0"/>
+            </a:xfrm>
+            <a:prstGeom prst="line">
+              <a:avLst/>
+            </a:prstGeom>
+            <a:ln w="9525">
+              <a:solidFill>
+                <a:srgbClr val="1B4367"/>
+              </a:solidFill>
+            </a:ln>
+          </p:spPr>
+          <p:style>
+            <a:lnRef idx="1">
+              <a:schemeClr val="accent1"/>
+            </a:lnRef>
+            <a:fillRef idx="0">
+              <a:schemeClr val="accent1"/>
+            </a:fillRef>
+            <a:effectRef idx="0">
+              <a:schemeClr val="accent1"/>
+            </a:effectRef>
+            <a:fontRef idx="minor">
+              <a:schemeClr val="tx1"/>
+            </a:fontRef>
+          </p:style>
+        </p:cxnSp>
+      </p:grpSp>
+      <p:sp>
+        <p:nvSpPr>
+          <p:cNvPr id="28" name="Rectangle 1"/>
+          <p:cNvSpPr>
+            <a:spLocks noChangeArrowheads="1"/>
+          </p:cNvSpPr>
+          <p:nvPr/>
+        </p:nvSpPr>
+        <p:spPr bwMode="auto">
+          <a:xfrm>
+            <a:off x="1301750" y="1368425"/>
+            <a:ext cx="9144000" cy="0"/>
+          </a:xfrm>
+          <a:prstGeom prst="rect">
+            <a:avLst/>
+          </a:prstGeom>
+          <a:noFill/>
+          <a:ln>
+            <a:noFill/>
+          </a:ln>
+          <a:effectLst/>
+          <a:extLst>
+            <a:ext uri="{909E8E84-426E-40DD-AFC4-6F175D3DCCD1}">
+              <a14:hiddenFill xmlns:a14="http://schemas.microsoft.com/office/drawing/2010/main">
+                <a:solidFill>
+                  <a:schemeClr val="accent1"/>
+                </a:solidFill>
+              </a14:hiddenFill>
+            </a:ext>
+            <a:ext uri="{91240B29-F687-4F45-9708-019B960494DF}">
+              <a14:hiddenLine xmlns:a14="http://schemas.microsoft.com/office/drawing/2010/main" w="9525">
+                <a:solidFill>
+                  <a:schemeClr val="tx1"/>
+                </a:solidFill>
+                <a:miter lim="800000"/>
+                <a:headEnd/>
+                <a:tailEnd/>
+              </a14:hiddenLine>
+            </a:ext>
+            <a:ext uri="{AF507438-7753-43E0-B8FC-AC1667EBCBE1}">
+              <a14:hiddenEffects xmlns:a14="http://schemas.microsoft.com/office/drawing/2010/main">
+                <a:effectLst>
+                  <a:outerShdw dist="35921" dir="2700000" algn="ctr" rotWithShape="0">
+                    <a:schemeClr val="bg2"/>
+                  </a:outerShdw>
+                </a:effectLst>
+              </a14:hiddenEffects>
+            </a:ext>
+          </a:extLst>
+        </p:spPr>
+        <p:txBody>
+          <a:bodyPr vert="horz" wrap="none" lIns="91440" tIns="45720" rIns="91440" bIns="45720" numCol="1" anchor="ctr" anchorCtr="0" compatLnSpc="1">
+            <a:spAutoFit/>
+          </a:bodyPr>
+          <a:lstStyle/>
+          <a:p>
+            <a:pPr marL="0" marR="0" lvl="0" indent="0" algn="l" defTabSz="914400" rtl="0" eaLnBrk="0" fontAlgn="base" latinLnBrk="0" hangingPunct="0">
+              <a:lnSpc>
+                <a:spcPct val="100000"/>
+              </a:lnSpc>
+              <a:spcBef>
+                <a:spcPct val="0"/>
+              </a:spcBef>
+              <a:spcAft>
+                <a:spcPct val="0"/>
+              </a:spcAft>
+              <a:buClrTx/>
+              <a:buSzTx/>
+              <a:buFontTx/>
+              <a:buNone/>
+            </a:pPr>
+            <a:br>
+              <a:rPr kumimoji="0" lang="zh-CN" altLang="zh-CN" sz="1800" b="0" i="0" u="none" strike="noStrike" cap="none" normalizeH="0" baseline="0">
+                <a:ln>
+                  <a:noFill/>
+                </a:ln>
+                <a:solidFill>
+                  <a:schemeClr val="tx1"/>
+                </a:solidFill>
+                <a:effectLst/>
+                <a:latin typeface="Arial" panose="020B0604020202090204" pitchFamily="34" charset="0"/>
+              </a:rPr>
+            </a:br>
+            <a:endParaRPr kumimoji="0" lang="zh-CN" altLang="zh-CN" sz="1800" b="0" i="0" u="none" strike="noStrike" cap="none" normalizeH="0" baseline="0">
+              <a:ln>
+                <a:noFill/>
+              </a:ln>
+              <a:solidFill>
+                <a:schemeClr val="tx1"/>
+              </a:solidFill>
+              <a:effectLst/>
+              <a:latin typeface="Arial" panose="020B0604020202090204" pitchFamily="34" charset="0"/>
+            </a:endParaRPr>
+          </a:p>
+        </p:txBody>
+      </p:sp>
+      <p:pic>
+        <p:nvPicPr>
+          <p:cNvPr id="3" name="图片 2">
+            <a:extLst>
+              <a:ext uri="{FF2B5EF4-FFF2-40B4-BE49-F238E27FC236}">
+                <a16:creationId xmlns:a16="http://schemas.microsoft.com/office/drawing/2014/main" id="{BF0BAFE7-297C-9C4A-A3E3-1DFF99FEB18C}"/>
+              </a:ext>
+            </a:extLst>
+          </p:cNvPr>
+          <p:cNvPicPr>
+            <a:picLocks noChangeAspect="1"/>
+          </p:cNvPicPr>
+          <p:nvPr/>
+        </p:nvPicPr>
+        <p:blipFill>
+          <a:blip r:embed="rId3">
+            <a:extLst>
+              <a:ext uri="{28A0092B-C50C-407E-A947-70E740481C1C}">
+                <a14:useLocalDpi xmlns:a14="http://schemas.microsoft.com/office/drawing/2010/main" val="0"/>
+              </a:ext>
+            </a:extLst>
+          </a:blip>
+          <a:stretch>
+            <a:fillRect/>
+          </a:stretch>
+        </p:blipFill>
+        <p:spPr>
+          <a:xfrm>
+            <a:off x="1239317" y="690158"/>
+            <a:ext cx="6086905" cy="4191754"/>
+          </a:xfrm>
+          <a:prstGeom prst="rect">
+            <a:avLst/>
+          </a:prstGeom>
+        </p:spPr>
+      </p:pic>
+    </p:spTree>
+    <p:extLst>
+      <p:ext uri="{BB962C8B-B14F-4D97-AF65-F5344CB8AC3E}">
+        <p14:creationId xmlns:p14="http://schemas.microsoft.com/office/powerpoint/2010/main" val="1676763841"/>
+      </p:ext>
+    </p:extLst>
+  </p:cSld>
+  <p:clrMapOvr>
+    <a:masterClrMapping/>
+  </p:clrMapOvr>
+  <mc:AlternateContent xmlns:mc="http://schemas.openxmlformats.org/markup-compatibility/2006" xmlns:p14="http://schemas.microsoft.com/office/powerpoint/2010/main">
+    <mc:Choice Requires="p14">
+      <p:transition spd="slow" p14:dur="1600" advClick="0">
+        <p14:prism isInverted="1"/>
+      </p:transition>
+    </mc:Choice>
+    <mc:Fallback xmlns="">
+      <p:transition spd="slow" advClick="0">
+        <p:fade/>
+      </p:transition>
+    </mc:Fallback>
+  </mc:AlternateContent>
+</p:sld>
+</file>
+
+<file path=ppt/slides/slide7.xml><?xml version="1.0" encoding="utf-8"?>
 <p:sld xmlns:a="http://schemas.openxmlformats.org/drawingml/2006/main" xmlns:r="http://schemas.openxmlformats.org/officeDocument/2006/relationships" xmlns:p="http://schemas.openxmlformats.org/presentationml/2006/main">
   <p:cSld>
     <p:spTree>
@@ -11118,6 +13630,11 @@
             <p:custDataLst>
               <p:tags r:id="rId1"/>
             </p:custDataLst>
+            <p:extLst>
+              <p:ext uri="{D42A27DB-BD31-4B8C-83A1-F6EECF244321}">
+                <p14:modId xmlns:p14="http://schemas.microsoft.com/office/powerpoint/2010/main" val="103463577"/>
+              </p:ext>
+            </p:extLst>
           </p:nvPr>
         </p:nvGraphicFramePr>
         <p:xfrm>
@@ -11226,7 +13743,7 @@
                         <a:buNone/>
                       </a:pPr>
                       <a:r>
-                        <a:rPr lang="en-US" altLang="zh-CN" sz="1200" b="0">
+                        <a:rPr lang="en-US" altLang="zh-CN" sz="1200" b="0" dirty="0">
                           <a:solidFill>
                             <a:srgbClr val="231F20"/>
                           </a:solidFill>
@@ -11236,7 +13753,7 @@
                         <a:t>·</a:t>
                       </a:r>
                       <a:r>
-                        <a:rPr lang="zh-CN" altLang="en-US" sz="1200" b="0">
+                        <a:rPr lang="zh-CN" altLang="en-US" sz="1200" b="0" dirty="0">
                           <a:solidFill>
                             <a:srgbClr val="231F20"/>
                           </a:solidFill>
@@ -11245,8 +13762,20 @@
                         </a:rPr>
                         <a:t>各模块的功能单独实现</a:t>
                       </a:r>
+                      <a:endParaRPr lang="en-US" altLang="zh-CN" sz="1200" b="0" dirty="0">
+                        <a:solidFill>
+                          <a:srgbClr val="231F20"/>
+                        </a:solidFill>
+                        <a:latin typeface="宋体" charset="0"/>
+                        <a:cs typeface="宋体" charset="0"/>
+                      </a:endParaRPr>
+                    </a:p>
+                    <a:p>
+                      <a:pPr indent="0">
+                        <a:buNone/>
+                      </a:pPr>
                       <a:r>
-                        <a:rPr lang="en-US" altLang="zh-CN" sz="1200" b="0">
+                        <a:rPr lang="en-US" altLang="zh-CN" sz="1200" b="0" dirty="0">
                           <a:solidFill>
                             <a:srgbClr val="231F20"/>
                           </a:solidFill>
@@ -11256,7 +13785,7 @@
                         <a:t>·</a:t>
                       </a:r>
                       <a:r>
-                        <a:rPr lang="zh-CN" altLang="en-US" sz="1200" b="0">
+                        <a:rPr lang="zh-CN" altLang="en-US" sz="1200" b="0" dirty="0">
                           <a:solidFill>
                             <a:srgbClr val="231F20"/>
                           </a:solidFill>
@@ -11265,8 +13794,20 @@
                         </a:rPr>
                         <a:t>各模块集成后所有功能正确实现</a:t>
                       </a:r>
+                      <a:endParaRPr lang="en-US" altLang="zh-CN" sz="1200" b="0" dirty="0">
+                        <a:solidFill>
+                          <a:srgbClr val="231F20"/>
+                        </a:solidFill>
+                        <a:latin typeface="宋体" charset="0"/>
+                        <a:cs typeface="宋体" charset="0"/>
+                      </a:endParaRPr>
+                    </a:p>
+                    <a:p>
+                      <a:pPr indent="0">
+                        <a:buNone/>
+                      </a:pPr>
                       <a:r>
-                        <a:rPr lang="en-US" altLang="zh-CN" sz="1200" b="0">
+                        <a:rPr lang="en-US" altLang="zh-CN" sz="1200" b="0" dirty="0">
                           <a:solidFill>
                             <a:srgbClr val="231F20"/>
                           </a:solidFill>
@@ -11276,7 +13817,7 @@
                         <a:t>·</a:t>
                       </a:r>
                       <a:r>
-                        <a:rPr lang="zh-CN" altLang="en-US" sz="1200" b="0">
+                        <a:rPr lang="zh-CN" altLang="en-US" sz="1200" b="0" dirty="0">
                           <a:solidFill>
                             <a:srgbClr val="231F20"/>
                           </a:solidFill>
@@ -11285,7 +13826,7 @@
                         </a:rPr>
                         <a:t>模块与模块之间的接口正确</a:t>
                       </a:r>
-                      <a:endParaRPr lang="zh-CN" altLang="en-US" sz="1200" b="0">
+                      <a:endParaRPr lang="zh-CN" altLang="en-US" sz="1200" b="0" dirty="0">
                         <a:solidFill>
                           <a:srgbClr val="231F20"/>
                         </a:solidFill>
@@ -11423,7 +13964,7 @@
                         <a:buNone/>
                       </a:pPr>
                       <a:r>
-                        <a:rPr lang="en-US" altLang="zh-CN" sz="1200" b="0">
+                        <a:rPr lang="en-US" altLang="zh-CN" sz="1200" b="0" dirty="0">
                           <a:solidFill>
                             <a:srgbClr val="231F20"/>
                           </a:solidFill>
@@ -11433,7 +13974,7 @@
                         <a:t>·</a:t>
                       </a:r>
                       <a:r>
-                        <a:rPr lang="zh-CN" altLang="en-US" sz="1200" b="0">
+                        <a:rPr lang="zh-CN" altLang="en-US" sz="1200" b="0" dirty="0">
                           <a:solidFill>
                             <a:srgbClr val="231F20"/>
                           </a:solidFill>
@@ -11442,8 +13983,20 @@
                         </a:rPr>
                         <a:t>设计测试用例，手动检测结果是否正确</a:t>
                       </a:r>
+                      <a:endParaRPr lang="en-US" altLang="zh-CN" sz="1200" b="0" dirty="0">
+                        <a:solidFill>
+                          <a:srgbClr val="231F20"/>
+                        </a:solidFill>
+                        <a:latin typeface="宋体" charset="0"/>
+                        <a:cs typeface="宋体" charset="0"/>
+                      </a:endParaRPr>
+                    </a:p>
+                    <a:p>
+                      <a:pPr indent="0">
+                        <a:buNone/>
+                      </a:pPr>
                       <a:r>
-                        <a:rPr lang="en-US" altLang="zh-CN" sz="1200" b="0">
+                        <a:rPr lang="en-US" altLang="zh-CN" sz="1200" b="0" dirty="0">
                           <a:solidFill>
                             <a:srgbClr val="231F20"/>
                           </a:solidFill>
@@ -11453,7 +14006,7 @@
                         <a:t>·</a:t>
                       </a:r>
                       <a:r>
-                        <a:rPr lang="zh-CN" altLang="en-US" sz="1200" b="0">
+                        <a:rPr lang="zh-CN" altLang="en-US" sz="1200" b="0" dirty="0">
                           <a:solidFill>
                             <a:srgbClr val="231F20"/>
                           </a:solidFill>
@@ -11462,7 +14015,7 @@
                         </a:rPr>
                         <a:t>进行用户体验测试，用户判断功能是否正确实现</a:t>
                       </a:r>
-                      <a:endParaRPr lang="zh-CN" altLang="en-US" sz="1200" b="0">
+                      <a:endParaRPr lang="zh-CN" altLang="en-US" sz="1200" b="0" dirty="0">
                         <a:solidFill>
                           <a:srgbClr val="231F20"/>
                         </a:solidFill>
@@ -11600,7 +14153,7 @@
                         <a:buNone/>
                       </a:pPr>
                       <a:r>
-                        <a:rPr lang="en-US" altLang="zh-CN" sz="1200" b="0">
+                        <a:rPr lang="en-US" altLang="zh-CN" sz="1200" b="0" dirty="0">
                           <a:solidFill>
                             <a:srgbClr val="231F20"/>
                           </a:solidFill>
@@ -11610,7 +14163,7 @@
                         <a:t>·98%</a:t>
                       </a:r>
                       <a:r>
-                        <a:rPr lang="zh-CN" altLang="en-US" sz="1200" b="0">
+                        <a:rPr lang="zh-CN" altLang="en-US" sz="1200" b="0" dirty="0">
                           <a:solidFill>
                             <a:srgbClr val="231F20"/>
                           </a:solidFill>
@@ -11619,8 +14172,20 @@
                         </a:rPr>
                         <a:t>的测试用例通过</a:t>
                       </a:r>
+                      <a:endParaRPr lang="en-US" altLang="zh-CN" sz="1200" b="0" dirty="0">
+                        <a:solidFill>
+                          <a:srgbClr val="231F20"/>
+                        </a:solidFill>
+                        <a:latin typeface="宋体" charset="0"/>
+                        <a:cs typeface="宋体" charset="0"/>
+                      </a:endParaRPr>
+                    </a:p>
+                    <a:p>
+                      <a:pPr indent="0">
+                        <a:buNone/>
+                      </a:pPr>
                       <a:r>
-                        <a:rPr lang="en-US" altLang="zh-CN" sz="1200" b="0">
+                        <a:rPr lang="en-US" altLang="zh-CN" sz="1200" b="0" dirty="0">
                           <a:solidFill>
                             <a:srgbClr val="231F20"/>
                           </a:solidFill>
@@ -11630,7 +14195,7 @@
                         <a:t>·</a:t>
                       </a:r>
                       <a:r>
-                        <a:rPr lang="zh-CN" altLang="en-US" sz="1200" b="0">
+                        <a:rPr lang="zh-CN" altLang="en-US" sz="1200" b="0" dirty="0">
                           <a:solidFill>
                             <a:srgbClr val="231F20"/>
                           </a:solidFill>
@@ -11639,7 +14204,7 @@
                         </a:rPr>
                         <a:t>所有缺陷全部解决</a:t>
                       </a:r>
-                      <a:endParaRPr lang="zh-CN" altLang="en-US" sz="1200" b="0">
+                      <a:endParaRPr lang="zh-CN" altLang="en-US" sz="1200" b="0" dirty="0">
                         <a:solidFill>
                           <a:srgbClr val="231F20"/>
                         </a:solidFill>
@@ -11777,7 +14342,7 @@
                         <a:buNone/>
                       </a:pPr>
                       <a:r>
-                        <a:rPr lang="en-US" altLang="zh-CN" sz="1200" b="0">
+                        <a:rPr lang="en-US" altLang="zh-CN" sz="1200" b="0" dirty="0">
                           <a:solidFill>
                             <a:srgbClr val="231F20"/>
                           </a:solidFill>
@@ -11787,7 +14352,7 @@
                         <a:t>·</a:t>
                       </a:r>
                       <a:r>
-                        <a:rPr lang="zh-CN" altLang="en-US" sz="1200" b="0">
+                        <a:rPr lang="zh-CN" altLang="en-US" sz="1200" b="0" dirty="0">
                           <a:solidFill>
                             <a:srgbClr val="231F20"/>
                           </a:solidFill>
@@ -11796,7 +14361,7 @@
                         </a:rPr>
                         <a:t>在执行测试用例时，除此模块外也要判断其他模块是否发生错误</a:t>
                       </a:r>
-                      <a:endParaRPr lang="zh-CN" altLang="en-US" sz="1200" b="0">
+                      <a:endParaRPr lang="zh-CN" altLang="en-US" sz="1200" b="0" dirty="0">
                         <a:solidFill>
                           <a:srgbClr val="231F20"/>
                         </a:solidFill>
@@ -11878,7 +14443,7 @@
 </p:sld>
 </file>
 
-<file path=ppt/slides/slide4.xml><?xml version="1.0" encoding="utf-8"?>
+<file path=ppt/slides/slide8.xml><?xml version="1.0" encoding="utf-8"?>
 <p:sld xmlns:a="http://schemas.openxmlformats.org/drawingml/2006/main" xmlns:r="http://schemas.openxmlformats.org/officeDocument/2006/relationships" xmlns:p="http://schemas.openxmlformats.org/presentationml/2006/main">
   <p:cSld>
     <p:spTree>
@@ -12136,7 +14701,7 @@
             </p:custDataLst>
             <p:extLst>
               <p:ext uri="{D42A27DB-BD31-4B8C-83A1-F6EECF244321}">
-                <p14:modId xmlns:p14="http://schemas.microsoft.com/office/powerpoint/2010/main" val="1429807641"/>
+                <p14:modId xmlns:p14="http://schemas.microsoft.com/office/powerpoint/2010/main" val="2750123764"/>
               </p:ext>
             </p:extLst>
           </p:nvPr>
@@ -12247,104 +14812,113 @@
                         <a:buNone/>
                       </a:pPr>
                       <a:r>
-                        <a:rPr lang="en-US" altLang="zh-CN" sz="1200" b="0">
+                        <a:rPr lang="en-US" altLang="zh-CN" sz="1200" b="0" dirty="0">
                           <a:latin typeface="宋体" charset="0"/>
                           <a:cs typeface="宋体" charset="0"/>
                         </a:rPr>
                         <a:t>·</a:t>
                       </a:r>
                       <a:r>
-                        <a:rPr lang="zh-CN" altLang="en-US" sz="1200" b="0">
+                        <a:rPr lang="zh-CN" altLang="en-US" sz="1200" b="0" dirty="0">
                           <a:latin typeface="宋体" charset="0"/>
                           <a:cs typeface="宋体" charset="0"/>
                         </a:rPr>
                         <a:t>正常负载情况下，在除判题外的任意事务应在</a:t>
                       </a:r>
                       <a:r>
-                        <a:rPr lang="en-US" altLang="zh-CN" sz="1200" b="0">
+                        <a:rPr lang="en-US" altLang="zh-CN" sz="1200" b="0" dirty="0">
                           <a:latin typeface="宋体" charset="0"/>
                           <a:cs typeface="宋体" charset="0"/>
                         </a:rPr>
                         <a:t>1s</a:t>
                       </a:r>
                       <a:r>
-                        <a:rPr lang="zh-CN" altLang="en-US" sz="1200" b="0">
+                        <a:rPr lang="zh-CN" altLang="en-US" sz="1200" b="0" dirty="0">
                           <a:latin typeface="宋体" charset="0"/>
                           <a:cs typeface="宋体" charset="0"/>
                         </a:rPr>
                         <a:t>内得到响应，每次代码提交等待判题时间应小于</a:t>
                       </a:r>
                       <a:r>
-                        <a:rPr lang="en-US" altLang="zh-CN" sz="1200" b="0">
+                        <a:rPr lang="en-US" altLang="zh-CN" sz="1200" b="0" dirty="0">
                           <a:latin typeface="宋体" charset="0"/>
                           <a:cs typeface="宋体" charset="0"/>
                         </a:rPr>
                         <a:t>5s</a:t>
                       </a:r>
                       <a:r>
-                        <a:rPr lang="zh-CN" altLang="en-US" sz="1200" b="0">
+                        <a:rPr lang="zh-CN" altLang="en-US" sz="1200" b="0" dirty="0">
                           <a:latin typeface="宋体" charset="0"/>
                           <a:cs typeface="宋体" charset="0"/>
                         </a:rPr>
                         <a:t>，判题时间应小于该题时间限制</a:t>
                       </a:r>
                       <a:r>
-                        <a:rPr lang="en-US" altLang="zh-CN" sz="1200" b="0">
+                        <a:rPr lang="en-US" altLang="zh-CN" sz="1200" b="0" dirty="0">
                           <a:latin typeface="宋体" charset="0"/>
                           <a:cs typeface="宋体" charset="0"/>
                         </a:rPr>
                         <a:t>*10</a:t>
                       </a:r>
                       <a:r>
-                        <a:rPr lang="zh-CN" altLang="en-US" sz="1200" b="0">
+                        <a:rPr lang="zh-CN" altLang="en-US" sz="1200" b="0" dirty="0">
                           <a:latin typeface="宋体" charset="0"/>
                           <a:cs typeface="宋体" charset="0"/>
                         </a:rPr>
                         <a:t>，每题判题结果应在提交后</a:t>
                       </a:r>
                       <a:r>
-                        <a:rPr lang="en-US" altLang="zh-CN" sz="1200" b="0">
+                        <a:rPr lang="en-US" altLang="zh-CN" sz="1200" b="0" dirty="0">
                           <a:latin typeface="宋体" charset="0"/>
                           <a:cs typeface="宋体" charset="0"/>
                         </a:rPr>
                         <a:t>1</a:t>
                       </a:r>
                       <a:r>
-                        <a:rPr lang="zh-CN" altLang="en-US" sz="1200" b="0">
+                        <a:rPr lang="zh-CN" altLang="en-US" sz="1200" b="0" dirty="0">
                           <a:latin typeface="宋体" charset="0"/>
                           <a:cs typeface="宋体" charset="0"/>
                         </a:rPr>
                         <a:t>分钟内返回；</a:t>
                       </a:r>
+                      <a:endParaRPr lang="en-US" altLang="zh-CN" sz="1200" b="0" dirty="0">
+                        <a:latin typeface="宋体" charset="0"/>
+                        <a:cs typeface="宋体" charset="0"/>
+                      </a:endParaRPr>
+                    </a:p>
+                    <a:p>
+                      <a:pPr indent="0">
+                        <a:buNone/>
+                      </a:pPr>
                       <a:r>
-                        <a:rPr lang="en-US" altLang="zh-CN" sz="1200" b="0">
+                        <a:rPr lang="en-US" altLang="zh-CN" sz="1200" b="0" dirty="0">
                           <a:latin typeface="宋体" charset="0"/>
                           <a:cs typeface="宋体" charset="0"/>
                         </a:rPr>
                         <a:t>·</a:t>
                       </a:r>
                       <a:r>
-                        <a:rPr lang="zh-CN" altLang="en-US" sz="1200" b="0">
+                        <a:rPr lang="zh-CN" altLang="en-US" sz="1200" b="0" dirty="0">
                           <a:latin typeface="宋体" charset="0"/>
                           <a:cs typeface="宋体" charset="0"/>
                         </a:rPr>
                         <a:t>高负载情况下，任意事务不得超过正常情况下</a:t>
                       </a:r>
                       <a:r>
-                        <a:rPr lang="en-US" altLang="zh-CN" sz="1200" b="0">
+                        <a:rPr lang="en-US" altLang="zh-CN" sz="1200" b="0" dirty="0">
                           <a:latin typeface="宋体" charset="0"/>
                           <a:cs typeface="宋体" charset="0"/>
                         </a:rPr>
                         <a:t>3</a:t>
                       </a:r>
                       <a:r>
-                        <a:rPr lang="zh-CN" altLang="en-US" sz="1200" b="0">
+                        <a:rPr lang="zh-CN" altLang="en-US" sz="1200" b="0" dirty="0">
                           <a:latin typeface="宋体" charset="0"/>
                           <a:cs typeface="宋体" charset="0"/>
                         </a:rPr>
                         <a:t>倍时间；</a:t>
                       </a:r>
-                      <a:endParaRPr lang="zh-CN" altLang="en-US" sz="1200" b="0">
+                      <a:endParaRPr lang="zh-CN" altLang="en-US" sz="1200" b="0" dirty="0">
                         <a:latin typeface="宋体" charset="0"/>
                         <a:ea typeface="宋体" charset="0"/>
                         <a:cs typeface="宋体" charset="0"/>
@@ -12479,48 +15053,57 @@
                         <a:buNone/>
                       </a:pPr>
                       <a:r>
-                        <a:rPr lang="en-US" altLang="zh-CN" sz="1200" b="0">
+                        <a:rPr lang="en-US" altLang="zh-CN" sz="1200" b="0" dirty="0">
                           <a:latin typeface="宋体" charset="0"/>
                           <a:cs typeface="宋体" charset="0"/>
                         </a:rPr>
                         <a:t>·</a:t>
                       </a:r>
                       <a:r>
-                        <a:rPr lang="zh-CN" altLang="en-US" sz="1200" b="0">
+                        <a:rPr lang="zh-CN" altLang="en-US" sz="1200" b="0" dirty="0">
                           <a:latin typeface="宋体" charset="0"/>
                           <a:cs typeface="宋体" charset="0"/>
                         </a:rPr>
-                        <a:t>编写脚本，通过</a:t>
+                        <a:t>编写脚本，通过 </a:t>
                       </a:r>
                       <a:r>
-                        <a:rPr lang="en-US" altLang="zh-CN" sz="1200" b="0">
+                        <a:rPr lang="en-US" altLang="zh-CN" sz="1200" b="0" dirty="0">
                           <a:latin typeface="宋体" charset="0"/>
                           <a:cs typeface="宋体" charset="0"/>
                         </a:rPr>
                         <a:t>curl</a:t>
                       </a:r>
                       <a:r>
-                        <a:rPr lang="zh-CN" altLang="en-US" sz="1200" b="0">
+                        <a:rPr lang="zh-CN" altLang="en-US" sz="1200" b="0" dirty="0">
                           <a:latin typeface="宋体" charset="0"/>
                           <a:cs typeface="宋体" charset="0"/>
                         </a:rPr>
-                        <a:t>等命令进行自动化测试事务响应时间；</a:t>
+                        <a:t> 等命令进行自动化测试事务响应时间；</a:t>
                       </a:r>
+                      <a:endParaRPr lang="en-US" altLang="zh-CN" sz="1200" b="0" dirty="0">
+                        <a:latin typeface="宋体" charset="0"/>
+                        <a:cs typeface="宋体" charset="0"/>
+                      </a:endParaRPr>
+                    </a:p>
+                    <a:p>
+                      <a:pPr indent="0">
+                        <a:buNone/>
+                      </a:pPr>
                       <a:r>
-                        <a:rPr lang="en-US" altLang="zh-CN" sz="1200" b="0">
+                        <a:rPr lang="en-US" altLang="zh-CN" sz="1200" b="0" dirty="0">
                           <a:latin typeface="宋体" charset="0"/>
                           <a:cs typeface="宋体" charset="0"/>
                         </a:rPr>
                         <a:t>·</a:t>
                       </a:r>
                       <a:r>
-                        <a:rPr lang="zh-CN" altLang="en-US" sz="1200" b="0">
+                        <a:rPr lang="zh-CN" altLang="en-US" sz="1200" b="0" dirty="0">
                           <a:latin typeface="宋体" charset="0"/>
                           <a:cs typeface="宋体" charset="0"/>
                         </a:rPr>
                         <a:t>通过脚本频繁发送请求，模拟高负载情况进行性能测试；</a:t>
                       </a:r>
-                      <a:endParaRPr lang="zh-CN" altLang="en-US" sz="1200" b="0">
+                      <a:endParaRPr lang="zh-CN" altLang="en-US" sz="1200" b="0" dirty="0">
                         <a:latin typeface="宋体" charset="0"/>
                         <a:ea typeface="宋体" charset="0"/>
                         <a:cs typeface="宋体" charset="0"/>
@@ -12817,21 +15400,23 @@
                         <a:buNone/>
                       </a:pPr>
                       <a:r>
-                        <a:rPr lang="en-US" altLang="zh-CN" sz="1200" b="0" dirty="0">
+                        <a:rPr lang="en-US" altLang="zh-CN" sz="1200" b="0" kern="1200" dirty="0">
                           <a:solidFill>
-                            <a:srgbClr val="0000FF"/>
+                            <a:schemeClr val="tx1"/>
                           </a:solidFill>
                           <a:latin typeface="宋体" charset="0"/>
+                          <a:ea typeface="+mn-ea"/>
                           <a:cs typeface="宋体" charset="0"/>
                         </a:rPr>
                         <a:t>·</a:t>
                       </a:r>
                       <a:r>
-                        <a:rPr lang="zh-CN" altLang="en-US" sz="1200" b="0" dirty="0">
+                        <a:rPr lang="zh-CN" altLang="en-US" sz="1200" b="0" kern="1200" dirty="0">
                           <a:solidFill>
-                            <a:srgbClr val="0000FF"/>
+                            <a:schemeClr val="tx1"/>
                           </a:solidFill>
                           <a:latin typeface="宋体" charset="0"/>
+                          <a:ea typeface="+mn-ea"/>
                           <a:cs typeface="宋体" charset="0"/>
                         </a:rPr>
                         <a:t>性能测试应该在专用的计算机上或在专用的机时内执行，以便实现完全的控制和精确的评测；</a:t>
@@ -12937,7 +15522,7 @@
 </p:sld>
 </file>
 
-<file path=ppt/slides/slide5.xml><?xml version="1.0" encoding="utf-8"?>
+<file path=ppt/slides/slide9.xml><?xml version="1.0" encoding="utf-8"?>
 <p:sld xmlns:a="http://schemas.openxmlformats.org/drawingml/2006/main" xmlns:r="http://schemas.openxmlformats.org/officeDocument/2006/relationships" xmlns:p="http://schemas.openxmlformats.org/presentationml/2006/main">
   <p:cSld>
     <p:spTree>
@@ -13408,1041 +15993,6 @@
         <p14:creationId xmlns:p14="http://schemas.microsoft.com/office/powerpoint/2010/main" val="756752717"/>
       </p:ext>
     </p:extLst>
-  </p:cSld>
-  <p:clrMapOvr>
-    <a:masterClrMapping/>
-  </p:clrMapOvr>
-  <mc:AlternateContent xmlns:mc="http://schemas.openxmlformats.org/markup-compatibility/2006" xmlns:p14="http://schemas.microsoft.com/office/powerpoint/2010/main">
-    <mc:Choice Requires="p14">
-      <p:transition spd="slow" p14:dur="1600" advClick="0">
-        <p14:prism isInverted="1"/>
-      </p:transition>
-    </mc:Choice>
-    <mc:Fallback xmlns="">
-      <p:transition spd="slow" advClick="0">
-        <p:fade/>
-      </p:transition>
-    </mc:Fallback>
-  </mc:AlternateContent>
-</p:sld>
-</file>
-
-<file path=ppt/slides/slide6.xml><?xml version="1.0" encoding="utf-8"?>
-<p:sld xmlns:a="http://schemas.openxmlformats.org/drawingml/2006/main" xmlns:r="http://schemas.openxmlformats.org/officeDocument/2006/relationships" xmlns:p="http://schemas.openxmlformats.org/presentationml/2006/main">
-  <p:cSld>
-    <p:spTree>
-      <p:nvGrpSpPr>
-        <p:cNvPr id="1" name=""/>
-        <p:cNvGrpSpPr/>
-        <p:nvPr/>
-      </p:nvGrpSpPr>
-      <p:grpSpPr>
-        <a:xfrm>
-          <a:off x="0" y="0"/>
-          <a:ext cx="0" cy="0"/>
-          <a:chOff x="0" y="0"/>
-          <a:chExt cx="0" cy="0"/>
-        </a:xfrm>
-      </p:grpSpPr>
-      <p:grpSp>
-        <p:nvGrpSpPr>
-          <p:cNvPr id="5" name="组合 4"/>
-          <p:cNvGrpSpPr/>
-          <p:nvPr/>
-        </p:nvGrpSpPr>
-        <p:grpSpPr>
-          <a:xfrm>
-            <a:off x="645215" y="261588"/>
-            <a:ext cx="3573856" cy="347632"/>
-            <a:chOff x="709386" y="309785"/>
-            <a:chExt cx="2261711" cy="347632"/>
-          </a:xfrm>
-        </p:grpSpPr>
-        <p:sp>
-          <p:nvSpPr>
-            <p:cNvPr id="31" name="文本框 15"/>
-            <p:cNvSpPr txBox="1"/>
-            <p:nvPr/>
-          </p:nvSpPr>
-          <p:spPr>
-            <a:xfrm>
-              <a:off x="709386" y="309785"/>
-              <a:ext cx="2261711" cy="329565"/>
-            </a:xfrm>
-            <a:prstGeom prst="rect">
-              <a:avLst/>
-            </a:prstGeom>
-            <a:noFill/>
-          </p:spPr>
-          <p:txBody>
-            <a:bodyPr wrap="square" lIns="68580" tIns="34290" rIns="68580" bIns="34290" rtlCol="0">
-              <a:spAutoFit/>
-            </a:bodyPr>
-            <a:lstStyle/>
-            <a:p>
-              <a:r>
-                <a:rPr lang="zh-CN" altLang="en-US" sz="1700" b="1" dirty="0">
-                  <a:solidFill>
-                    <a:srgbClr val="1B4367"/>
-                  </a:solidFill>
-                  <a:cs typeface="+mn-ea"/>
-                  <a:sym typeface="+mn-lt"/>
-                </a:rPr>
-                <a:t>用户手册</a:t>
-              </a:r>
-              <a:r>
-                <a:rPr lang="en-US" altLang="zh-CN" sz="1700" b="1" dirty="0">
-                  <a:solidFill>
-                    <a:srgbClr val="1B4367"/>
-                  </a:solidFill>
-                  <a:cs typeface="+mn-ea"/>
-                  <a:sym typeface="+mn-lt"/>
-                </a:rPr>
-                <a:t>/Q&amp;A</a:t>
-              </a:r>
-              <a:endParaRPr lang="zh-CN" altLang="en-US" sz="1700" b="1" dirty="0">
-                <a:solidFill>
-                  <a:srgbClr val="1B4367"/>
-                </a:solidFill>
-                <a:cs typeface="+mn-ea"/>
-                <a:sym typeface="+mn-lt"/>
-              </a:endParaRPr>
-            </a:p>
-          </p:txBody>
-        </p:sp>
-        <p:cxnSp>
-          <p:nvCxnSpPr>
-            <p:cNvPr id="20" name="直接连接符 19"/>
-            <p:cNvCxnSpPr/>
-            <p:nvPr/>
-          </p:nvCxnSpPr>
-          <p:spPr>
-            <a:xfrm>
-              <a:off x="774478" y="657417"/>
-              <a:ext cx="480259" cy="0"/>
-            </a:xfrm>
-            <a:prstGeom prst="line">
-              <a:avLst/>
-            </a:prstGeom>
-            <a:ln w="9525">
-              <a:solidFill>
-                <a:srgbClr val="1B4367"/>
-              </a:solidFill>
-            </a:ln>
-          </p:spPr>
-          <p:style>
-            <a:lnRef idx="1">
-              <a:schemeClr val="accent1"/>
-            </a:lnRef>
-            <a:fillRef idx="0">
-              <a:schemeClr val="accent1"/>
-            </a:fillRef>
-            <a:effectRef idx="0">
-              <a:schemeClr val="accent1"/>
-            </a:effectRef>
-            <a:fontRef idx="minor">
-              <a:schemeClr val="tx1"/>
-            </a:fontRef>
-          </p:style>
-        </p:cxnSp>
-      </p:grpSp>
-      <p:sp>
-        <p:nvSpPr>
-          <p:cNvPr id="28" name="Rectangle 1"/>
-          <p:cNvSpPr>
-            <a:spLocks noChangeArrowheads="1"/>
-          </p:cNvSpPr>
-          <p:nvPr/>
-        </p:nvSpPr>
-        <p:spPr bwMode="auto">
-          <a:xfrm>
-            <a:off x="1301750" y="1368425"/>
-            <a:ext cx="9144000" cy="0"/>
-          </a:xfrm>
-          <a:prstGeom prst="rect">
-            <a:avLst/>
-          </a:prstGeom>
-          <a:noFill/>
-          <a:ln>
-            <a:noFill/>
-          </a:ln>
-          <a:effectLst/>
-          <a:extLst>
-            <a:ext uri="{909E8E84-426E-40DD-AFC4-6F175D3DCCD1}">
-              <a14:hiddenFill xmlns:a14="http://schemas.microsoft.com/office/drawing/2010/main">
-                <a:solidFill>
-                  <a:schemeClr val="accent1"/>
-                </a:solidFill>
-              </a14:hiddenFill>
-            </a:ext>
-            <a:ext uri="{91240B29-F687-4F45-9708-019B960494DF}">
-              <a14:hiddenLine xmlns:a14="http://schemas.microsoft.com/office/drawing/2010/main" w="9525">
-                <a:solidFill>
-                  <a:schemeClr val="tx1"/>
-                </a:solidFill>
-                <a:miter lim="800000"/>
-                <a:headEnd/>
-                <a:tailEnd/>
-              </a14:hiddenLine>
-            </a:ext>
-            <a:ext uri="{AF507438-7753-43E0-B8FC-AC1667EBCBE1}">
-              <a14:hiddenEffects xmlns:a14="http://schemas.microsoft.com/office/drawing/2010/main">
-                <a:effectLst>
-                  <a:outerShdw dist="35921" dir="2700000" algn="ctr" rotWithShape="0">
-                    <a:schemeClr val="bg2"/>
-                  </a:outerShdw>
-                </a:effectLst>
-              </a14:hiddenEffects>
-            </a:ext>
-          </a:extLst>
-        </p:spPr>
-        <p:txBody>
-          <a:bodyPr vert="horz" wrap="none" lIns="91440" tIns="45720" rIns="91440" bIns="45720" numCol="1" anchor="ctr" anchorCtr="0" compatLnSpc="1">
-            <a:spAutoFit/>
-          </a:bodyPr>
-          <a:lstStyle/>
-          <a:p>
-            <a:pPr marL="0" marR="0" lvl="0" indent="0" algn="l" defTabSz="914400" rtl="0" eaLnBrk="0" fontAlgn="base" latinLnBrk="0" hangingPunct="0">
-              <a:lnSpc>
-                <a:spcPct val="100000"/>
-              </a:lnSpc>
-              <a:spcBef>
-                <a:spcPct val="0"/>
-              </a:spcBef>
-              <a:spcAft>
-                <a:spcPct val="0"/>
-              </a:spcAft>
-              <a:buClrTx/>
-              <a:buSzTx/>
-              <a:buFontTx/>
-              <a:buNone/>
-            </a:pPr>
-            <a:br>
-              <a:rPr kumimoji="0" lang="zh-CN" altLang="zh-CN" sz="1800" b="0" i="0" u="none" strike="noStrike" cap="none" normalizeH="0" baseline="0">
-                <a:ln>
-                  <a:noFill/>
-                </a:ln>
-                <a:solidFill>
-                  <a:schemeClr val="tx1"/>
-                </a:solidFill>
-                <a:effectLst/>
-                <a:latin typeface="Arial" panose="020B0604020202090204" pitchFamily="34" charset="0"/>
-              </a:rPr>
-            </a:br>
-            <a:endParaRPr kumimoji="0" lang="zh-CN" altLang="zh-CN" sz="1800" b="0" i="0" u="none" strike="noStrike" cap="none" normalizeH="0" baseline="0">
-              <a:ln>
-                <a:noFill/>
-              </a:ln>
-              <a:solidFill>
-                <a:schemeClr val="tx1"/>
-              </a:solidFill>
-              <a:effectLst/>
-              <a:latin typeface="Arial" panose="020B0604020202090204" pitchFamily="34" charset="0"/>
-            </a:endParaRPr>
-          </a:p>
-        </p:txBody>
-      </p:sp>
-      <p:pic>
-        <p:nvPicPr>
-          <p:cNvPr id="2" name="图片 1" descr="E42B21AAA84ACB7F914DE58A0C3530E7"/>
-          <p:cNvPicPr>
-            <a:picLocks noChangeAspect="1"/>
-          </p:cNvPicPr>
-          <p:nvPr/>
-        </p:nvPicPr>
-        <p:blipFill>
-          <a:blip r:embed="rId3"/>
-          <a:stretch>
-            <a:fillRect/>
-          </a:stretch>
-        </p:blipFill>
-        <p:spPr>
-          <a:xfrm>
-            <a:off x="330835" y="737235"/>
-            <a:ext cx="8299450" cy="4108450"/>
-          </a:xfrm>
-          <a:prstGeom prst="rect">
-            <a:avLst/>
-          </a:prstGeom>
-        </p:spPr>
-      </p:pic>
-    </p:spTree>
-  </p:cSld>
-  <p:clrMapOvr>
-    <a:masterClrMapping/>
-  </p:clrMapOvr>
-  <mc:AlternateContent xmlns:mc="http://schemas.openxmlformats.org/markup-compatibility/2006" xmlns:p14="http://schemas.microsoft.com/office/powerpoint/2010/main">
-    <mc:Choice Requires="p14">
-      <p:transition spd="slow" p14:dur="1600" advClick="0">
-        <p14:prism isInverted="1"/>
-      </p:transition>
-    </mc:Choice>
-    <mc:Fallback xmlns="">
-      <p:transition spd="slow" advClick="0">
-        <p:fade/>
-      </p:transition>
-    </mc:Fallback>
-  </mc:AlternateContent>
-</p:sld>
-</file>
-
-<file path=ppt/slides/slide7.xml><?xml version="1.0" encoding="utf-8"?>
-<p:sld xmlns:a="http://schemas.openxmlformats.org/drawingml/2006/main" xmlns:r="http://schemas.openxmlformats.org/officeDocument/2006/relationships" xmlns:p="http://schemas.openxmlformats.org/presentationml/2006/main">
-  <p:cSld>
-    <p:spTree>
-      <p:nvGrpSpPr>
-        <p:cNvPr id="1" name=""/>
-        <p:cNvGrpSpPr/>
-        <p:nvPr/>
-      </p:nvGrpSpPr>
-      <p:grpSpPr>
-        <a:xfrm>
-          <a:off x="0" y="0"/>
-          <a:ext cx="0" cy="0"/>
-          <a:chOff x="0" y="0"/>
-          <a:chExt cx="0" cy="0"/>
-        </a:xfrm>
-      </p:grpSpPr>
-      <p:grpSp>
-        <p:nvGrpSpPr>
-          <p:cNvPr id="5" name="组合 4"/>
-          <p:cNvGrpSpPr/>
-          <p:nvPr/>
-        </p:nvGrpSpPr>
-        <p:grpSpPr>
-          <a:xfrm>
-            <a:off x="645215" y="261588"/>
-            <a:ext cx="3573856" cy="347632"/>
-            <a:chOff x="709386" y="309785"/>
-            <a:chExt cx="2261711" cy="347632"/>
-          </a:xfrm>
-        </p:grpSpPr>
-        <p:sp>
-          <p:nvSpPr>
-            <p:cNvPr id="31" name="文本框 15"/>
-            <p:cNvSpPr txBox="1"/>
-            <p:nvPr/>
-          </p:nvSpPr>
-          <p:spPr>
-            <a:xfrm>
-              <a:off x="709386" y="309785"/>
-              <a:ext cx="2261711" cy="329565"/>
-            </a:xfrm>
-            <a:prstGeom prst="rect">
-              <a:avLst/>
-            </a:prstGeom>
-            <a:noFill/>
-          </p:spPr>
-          <p:txBody>
-            <a:bodyPr wrap="square" lIns="68580" tIns="34290" rIns="68580" bIns="34290" rtlCol="0">
-              <a:spAutoFit/>
-            </a:bodyPr>
-            <a:lstStyle/>
-            <a:p>
-              <a:r>
-                <a:rPr lang="zh-CN" altLang="en-US" sz="1700" b="1" dirty="0">
-                  <a:solidFill>
-                    <a:srgbClr val="1B4367"/>
-                  </a:solidFill>
-                  <a:cs typeface="+mn-ea"/>
-                  <a:sym typeface="+mn-lt"/>
-                </a:rPr>
-                <a:t>用户手册</a:t>
-              </a:r>
-              <a:r>
-                <a:rPr lang="en-US" altLang="zh-CN" sz="1700" b="1" dirty="0">
-                  <a:solidFill>
-                    <a:srgbClr val="1B4367"/>
-                  </a:solidFill>
-                  <a:cs typeface="+mn-ea"/>
-                  <a:sym typeface="+mn-lt"/>
-                </a:rPr>
-                <a:t>/Q&amp;A</a:t>
-              </a:r>
-              <a:endParaRPr lang="zh-CN" altLang="en-US" sz="1700" b="1" dirty="0">
-                <a:solidFill>
-                  <a:srgbClr val="1B4367"/>
-                </a:solidFill>
-                <a:cs typeface="+mn-ea"/>
-                <a:sym typeface="+mn-lt"/>
-              </a:endParaRPr>
-            </a:p>
-          </p:txBody>
-        </p:sp>
-        <p:cxnSp>
-          <p:nvCxnSpPr>
-            <p:cNvPr id="20" name="直接连接符 19"/>
-            <p:cNvCxnSpPr/>
-            <p:nvPr/>
-          </p:nvCxnSpPr>
-          <p:spPr>
-            <a:xfrm>
-              <a:off x="774478" y="657417"/>
-              <a:ext cx="480259" cy="0"/>
-            </a:xfrm>
-            <a:prstGeom prst="line">
-              <a:avLst/>
-            </a:prstGeom>
-            <a:ln w="9525">
-              <a:solidFill>
-                <a:srgbClr val="1B4367"/>
-              </a:solidFill>
-            </a:ln>
-          </p:spPr>
-          <p:style>
-            <a:lnRef idx="1">
-              <a:schemeClr val="accent1"/>
-            </a:lnRef>
-            <a:fillRef idx="0">
-              <a:schemeClr val="accent1"/>
-            </a:fillRef>
-            <a:effectRef idx="0">
-              <a:schemeClr val="accent1"/>
-            </a:effectRef>
-            <a:fontRef idx="minor">
-              <a:schemeClr val="tx1"/>
-            </a:fontRef>
-          </p:style>
-        </p:cxnSp>
-      </p:grpSp>
-      <p:sp>
-        <p:nvSpPr>
-          <p:cNvPr id="28" name="Rectangle 1"/>
-          <p:cNvSpPr>
-            <a:spLocks noChangeArrowheads="1"/>
-          </p:cNvSpPr>
-          <p:nvPr/>
-        </p:nvSpPr>
-        <p:spPr bwMode="auto">
-          <a:xfrm>
-            <a:off x="1301750" y="1368425"/>
-            <a:ext cx="9144000" cy="0"/>
-          </a:xfrm>
-          <a:prstGeom prst="rect">
-            <a:avLst/>
-          </a:prstGeom>
-          <a:noFill/>
-          <a:ln>
-            <a:noFill/>
-          </a:ln>
-          <a:effectLst/>
-          <a:extLst>
-            <a:ext uri="{909E8E84-426E-40DD-AFC4-6F175D3DCCD1}">
-              <a14:hiddenFill xmlns:a14="http://schemas.microsoft.com/office/drawing/2010/main">
-                <a:solidFill>
-                  <a:schemeClr val="accent1"/>
-                </a:solidFill>
-              </a14:hiddenFill>
-            </a:ext>
-            <a:ext uri="{91240B29-F687-4F45-9708-019B960494DF}">
-              <a14:hiddenLine xmlns:a14="http://schemas.microsoft.com/office/drawing/2010/main" w="9525">
-                <a:solidFill>
-                  <a:schemeClr val="tx1"/>
-                </a:solidFill>
-                <a:miter lim="800000"/>
-                <a:headEnd/>
-                <a:tailEnd/>
-              </a14:hiddenLine>
-            </a:ext>
-            <a:ext uri="{AF507438-7753-43E0-B8FC-AC1667EBCBE1}">
-              <a14:hiddenEffects xmlns:a14="http://schemas.microsoft.com/office/drawing/2010/main">
-                <a:effectLst>
-                  <a:outerShdw dist="35921" dir="2700000" algn="ctr" rotWithShape="0">
-                    <a:schemeClr val="bg2"/>
-                  </a:outerShdw>
-                </a:effectLst>
-              </a14:hiddenEffects>
-            </a:ext>
-          </a:extLst>
-        </p:spPr>
-        <p:txBody>
-          <a:bodyPr vert="horz" wrap="none" lIns="91440" tIns="45720" rIns="91440" bIns="45720" numCol="1" anchor="ctr" anchorCtr="0" compatLnSpc="1">
-            <a:spAutoFit/>
-          </a:bodyPr>
-          <a:lstStyle/>
-          <a:p>
-            <a:pPr marL="0" marR="0" lvl="0" indent="0" algn="l" defTabSz="914400" rtl="0" eaLnBrk="0" fontAlgn="base" latinLnBrk="0" hangingPunct="0">
-              <a:lnSpc>
-                <a:spcPct val="100000"/>
-              </a:lnSpc>
-              <a:spcBef>
-                <a:spcPct val="0"/>
-              </a:spcBef>
-              <a:spcAft>
-                <a:spcPct val="0"/>
-              </a:spcAft>
-              <a:buClrTx/>
-              <a:buSzTx/>
-              <a:buFontTx/>
-              <a:buNone/>
-            </a:pPr>
-            <a:br>
-              <a:rPr kumimoji="0" lang="zh-CN" altLang="zh-CN" sz="1800" b="0" i="0" u="none" strike="noStrike" cap="none" normalizeH="0" baseline="0">
-                <a:ln>
-                  <a:noFill/>
-                </a:ln>
-                <a:solidFill>
-                  <a:schemeClr val="tx1"/>
-                </a:solidFill>
-                <a:effectLst/>
-                <a:latin typeface="Arial" panose="020B0604020202090204" pitchFamily="34" charset="0"/>
-              </a:rPr>
-            </a:br>
-            <a:endParaRPr kumimoji="0" lang="zh-CN" altLang="zh-CN" sz="1800" b="0" i="0" u="none" strike="noStrike" cap="none" normalizeH="0" baseline="0">
-              <a:ln>
-                <a:noFill/>
-              </a:ln>
-              <a:solidFill>
-                <a:schemeClr val="tx1"/>
-              </a:solidFill>
-              <a:effectLst/>
-              <a:latin typeface="Arial" panose="020B0604020202090204" pitchFamily="34" charset="0"/>
-            </a:endParaRPr>
-          </a:p>
-        </p:txBody>
-      </p:sp>
-      <p:pic>
-        <p:nvPicPr>
-          <p:cNvPr id="2" name="图片 1" descr="92915110784B2FE9BB7421BB27B92ED4"/>
-          <p:cNvPicPr>
-            <a:picLocks noChangeAspect="1"/>
-          </p:cNvPicPr>
-          <p:nvPr/>
-        </p:nvPicPr>
-        <p:blipFill>
-          <a:blip r:embed="rId3"/>
-          <a:stretch>
-            <a:fillRect/>
-          </a:stretch>
-        </p:blipFill>
-        <p:spPr>
-          <a:xfrm>
-            <a:off x="748030" y="878840"/>
-            <a:ext cx="7877175" cy="3901440"/>
-          </a:xfrm>
-          <a:prstGeom prst="rect">
-            <a:avLst/>
-          </a:prstGeom>
-        </p:spPr>
-      </p:pic>
-    </p:spTree>
-  </p:cSld>
-  <p:clrMapOvr>
-    <a:masterClrMapping/>
-  </p:clrMapOvr>
-  <mc:AlternateContent xmlns:mc="http://schemas.openxmlformats.org/markup-compatibility/2006" xmlns:p14="http://schemas.microsoft.com/office/powerpoint/2010/main">
-    <mc:Choice Requires="p14">
-      <p:transition spd="slow" p14:dur="1600" advClick="0">
-        <p14:prism isInverted="1"/>
-      </p:transition>
-    </mc:Choice>
-    <mc:Fallback xmlns="">
-      <p:transition spd="slow" advClick="0">
-        <p:fade/>
-      </p:transition>
-    </mc:Fallback>
-  </mc:AlternateContent>
-</p:sld>
-</file>
-
-<file path=ppt/slides/slide8.xml><?xml version="1.0" encoding="utf-8"?>
-<p:sld xmlns:a="http://schemas.openxmlformats.org/drawingml/2006/main" xmlns:r="http://schemas.openxmlformats.org/officeDocument/2006/relationships" xmlns:p="http://schemas.openxmlformats.org/presentationml/2006/main">
-  <p:cSld>
-    <p:spTree>
-      <p:nvGrpSpPr>
-        <p:cNvPr id="1" name=""/>
-        <p:cNvGrpSpPr/>
-        <p:nvPr/>
-      </p:nvGrpSpPr>
-      <p:grpSpPr>
-        <a:xfrm>
-          <a:off x="0" y="0"/>
-          <a:ext cx="0" cy="0"/>
-          <a:chOff x="0" y="0"/>
-          <a:chExt cx="0" cy="0"/>
-        </a:xfrm>
-      </p:grpSpPr>
-      <p:grpSp>
-        <p:nvGrpSpPr>
-          <p:cNvPr id="5" name="组合 4"/>
-          <p:cNvGrpSpPr/>
-          <p:nvPr/>
-        </p:nvGrpSpPr>
-        <p:grpSpPr>
-          <a:xfrm>
-            <a:off x="645215" y="261588"/>
-            <a:ext cx="3573856" cy="347632"/>
-            <a:chOff x="709386" y="309785"/>
-            <a:chExt cx="2261711" cy="347632"/>
-          </a:xfrm>
-        </p:grpSpPr>
-        <p:sp>
-          <p:nvSpPr>
-            <p:cNvPr id="31" name="文本框 15"/>
-            <p:cNvSpPr txBox="1"/>
-            <p:nvPr/>
-          </p:nvSpPr>
-          <p:spPr>
-            <a:xfrm>
-              <a:off x="709386" y="309785"/>
-              <a:ext cx="2261711" cy="329565"/>
-            </a:xfrm>
-            <a:prstGeom prst="rect">
-              <a:avLst/>
-            </a:prstGeom>
-            <a:noFill/>
-          </p:spPr>
-          <p:txBody>
-            <a:bodyPr wrap="square" lIns="68580" tIns="34290" rIns="68580" bIns="34290" rtlCol="0">
-              <a:spAutoFit/>
-            </a:bodyPr>
-            <a:lstStyle/>
-            <a:p>
-              <a:r>
-                <a:rPr lang="zh-CN" altLang="en-US" sz="1700" b="1" dirty="0">
-                  <a:solidFill>
-                    <a:srgbClr val="1B4367"/>
-                  </a:solidFill>
-                  <a:cs typeface="+mn-ea"/>
-                  <a:sym typeface="+mn-lt"/>
-                </a:rPr>
-                <a:t>用户手册</a:t>
-              </a:r>
-              <a:r>
-                <a:rPr lang="en-US" altLang="zh-CN" sz="1700" b="1" dirty="0">
-                  <a:solidFill>
-                    <a:srgbClr val="1B4367"/>
-                  </a:solidFill>
-                  <a:cs typeface="+mn-ea"/>
-                  <a:sym typeface="+mn-lt"/>
-                </a:rPr>
-                <a:t>/Q&amp;A</a:t>
-              </a:r>
-              <a:endParaRPr lang="zh-CN" altLang="en-US" sz="1700" b="1" dirty="0">
-                <a:solidFill>
-                  <a:srgbClr val="1B4367"/>
-                </a:solidFill>
-                <a:cs typeface="+mn-ea"/>
-                <a:sym typeface="+mn-lt"/>
-              </a:endParaRPr>
-            </a:p>
-          </p:txBody>
-        </p:sp>
-        <p:cxnSp>
-          <p:nvCxnSpPr>
-            <p:cNvPr id="20" name="直接连接符 19"/>
-            <p:cNvCxnSpPr/>
-            <p:nvPr/>
-          </p:nvCxnSpPr>
-          <p:spPr>
-            <a:xfrm>
-              <a:off x="774478" y="657417"/>
-              <a:ext cx="480259" cy="0"/>
-            </a:xfrm>
-            <a:prstGeom prst="line">
-              <a:avLst/>
-            </a:prstGeom>
-            <a:ln w="9525">
-              <a:solidFill>
-                <a:srgbClr val="1B4367"/>
-              </a:solidFill>
-            </a:ln>
-          </p:spPr>
-          <p:style>
-            <a:lnRef idx="1">
-              <a:schemeClr val="accent1"/>
-            </a:lnRef>
-            <a:fillRef idx="0">
-              <a:schemeClr val="accent1"/>
-            </a:fillRef>
-            <a:effectRef idx="0">
-              <a:schemeClr val="accent1"/>
-            </a:effectRef>
-            <a:fontRef idx="minor">
-              <a:schemeClr val="tx1"/>
-            </a:fontRef>
-          </p:style>
-        </p:cxnSp>
-      </p:grpSp>
-      <p:sp>
-        <p:nvSpPr>
-          <p:cNvPr id="28" name="Rectangle 1"/>
-          <p:cNvSpPr>
-            <a:spLocks noChangeArrowheads="1"/>
-          </p:cNvSpPr>
-          <p:nvPr/>
-        </p:nvSpPr>
-        <p:spPr bwMode="auto">
-          <a:xfrm>
-            <a:off x="1301750" y="1368425"/>
-            <a:ext cx="9144000" cy="0"/>
-          </a:xfrm>
-          <a:prstGeom prst="rect">
-            <a:avLst/>
-          </a:prstGeom>
-          <a:noFill/>
-          <a:ln>
-            <a:noFill/>
-          </a:ln>
-          <a:effectLst/>
-          <a:extLst>
-            <a:ext uri="{909E8E84-426E-40DD-AFC4-6F175D3DCCD1}">
-              <a14:hiddenFill xmlns:a14="http://schemas.microsoft.com/office/drawing/2010/main">
-                <a:solidFill>
-                  <a:schemeClr val="accent1"/>
-                </a:solidFill>
-              </a14:hiddenFill>
-            </a:ext>
-            <a:ext uri="{91240B29-F687-4F45-9708-019B960494DF}">
-              <a14:hiddenLine xmlns:a14="http://schemas.microsoft.com/office/drawing/2010/main" w="9525">
-                <a:solidFill>
-                  <a:schemeClr val="tx1"/>
-                </a:solidFill>
-                <a:miter lim="800000"/>
-                <a:headEnd/>
-                <a:tailEnd/>
-              </a14:hiddenLine>
-            </a:ext>
-            <a:ext uri="{AF507438-7753-43E0-B8FC-AC1667EBCBE1}">
-              <a14:hiddenEffects xmlns:a14="http://schemas.microsoft.com/office/drawing/2010/main">
-                <a:effectLst>
-                  <a:outerShdw dist="35921" dir="2700000" algn="ctr" rotWithShape="0">
-                    <a:schemeClr val="bg2"/>
-                  </a:outerShdw>
-                </a:effectLst>
-              </a14:hiddenEffects>
-            </a:ext>
-          </a:extLst>
-        </p:spPr>
-        <p:txBody>
-          <a:bodyPr vert="horz" wrap="none" lIns="91440" tIns="45720" rIns="91440" bIns="45720" numCol="1" anchor="ctr" anchorCtr="0" compatLnSpc="1">
-            <a:spAutoFit/>
-          </a:bodyPr>
-          <a:lstStyle/>
-          <a:p>
-            <a:pPr marL="0" marR="0" lvl="0" indent="0" algn="l" defTabSz="914400" rtl="0" eaLnBrk="0" fontAlgn="base" latinLnBrk="0" hangingPunct="0">
-              <a:lnSpc>
-                <a:spcPct val="100000"/>
-              </a:lnSpc>
-              <a:spcBef>
-                <a:spcPct val="0"/>
-              </a:spcBef>
-              <a:spcAft>
-                <a:spcPct val="0"/>
-              </a:spcAft>
-              <a:buClrTx/>
-              <a:buSzTx/>
-              <a:buFontTx/>
-              <a:buNone/>
-            </a:pPr>
-            <a:br>
-              <a:rPr kumimoji="0" lang="zh-CN" altLang="zh-CN" sz="1800" b="0" i="0" u="none" strike="noStrike" cap="none" normalizeH="0" baseline="0">
-                <a:ln>
-                  <a:noFill/>
-                </a:ln>
-                <a:solidFill>
-                  <a:schemeClr val="tx1"/>
-                </a:solidFill>
-                <a:effectLst/>
-                <a:latin typeface="Arial" panose="020B0604020202090204" pitchFamily="34" charset="0"/>
-              </a:rPr>
-            </a:br>
-            <a:endParaRPr kumimoji="0" lang="zh-CN" altLang="zh-CN" sz="1800" b="0" i="0" u="none" strike="noStrike" cap="none" normalizeH="0" baseline="0">
-              <a:ln>
-                <a:noFill/>
-              </a:ln>
-              <a:solidFill>
-                <a:schemeClr val="tx1"/>
-              </a:solidFill>
-              <a:effectLst/>
-              <a:latin typeface="Arial" panose="020B0604020202090204" pitchFamily="34" charset="0"/>
-            </a:endParaRPr>
-          </a:p>
-        </p:txBody>
-      </p:sp>
-      <p:pic>
-        <p:nvPicPr>
-          <p:cNvPr id="3" name="图片 2" descr="FE0438BBA880857DC662109089A74B97"/>
-          <p:cNvPicPr>
-            <a:picLocks noChangeAspect="1"/>
-          </p:cNvPicPr>
-          <p:nvPr/>
-        </p:nvPicPr>
-        <p:blipFill>
-          <a:blip r:embed="rId3"/>
-          <a:stretch>
-            <a:fillRect/>
-          </a:stretch>
-        </p:blipFill>
-        <p:spPr>
-          <a:xfrm>
-            <a:off x="524510" y="791210"/>
-            <a:ext cx="8094980" cy="4000500"/>
-          </a:xfrm>
-          <a:prstGeom prst="rect">
-            <a:avLst/>
-          </a:prstGeom>
-        </p:spPr>
-      </p:pic>
-    </p:spTree>
-  </p:cSld>
-  <p:clrMapOvr>
-    <a:masterClrMapping/>
-  </p:clrMapOvr>
-  <mc:AlternateContent xmlns:mc="http://schemas.openxmlformats.org/markup-compatibility/2006" xmlns:p14="http://schemas.microsoft.com/office/powerpoint/2010/main">
-    <mc:Choice Requires="p14">
-      <p:transition spd="slow" p14:dur="1600" advClick="0">
-        <p14:prism isInverted="1"/>
-      </p:transition>
-    </mc:Choice>
-    <mc:Fallback xmlns="">
-      <p:transition spd="slow" advClick="0">
-        <p:fade/>
-      </p:transition>
-    </mc:Fallback>
-  </mc:AlternateContent>
-</p:sld>
-</file>
-
-<file path=ppt/slides/slide9.xml><?xml version="1.0" encoding="utf-8"?>
-<p:sld xmlns:a="http://schemas.openxmlformats.org/drawingml/2006/main" xmlns:r="http://schemas.openxmlformats.org/officeDocument/2006/relationships" xmlns:p="http://schemas.openxmlformats.org/presentationml/2006/main">
-  <p:cSld>
-    <p:spTree>
-      <p:nvGrpSpPr>
-        <p:cNvPr id="1" name=""/>
-        <p:cNvGrpSpPr/>
-        <p:nvPr/>
-      </p:nvGrpSpPr>
-      <p:grpSpPr>
-        <a:xfrm>
-          <a:off x="0" y="0"/>
-          <a:ext cx="0" cy="0"/>
-          <a:chOff x="0" y="0"/>
-          <a:chExt cx="0" cy="0"/>
-        </a:xfrm>
-      </p:grpSpPr>
-      <p:grpSp>
-        <p:nvGrpSpPr>
-          <p:cNvPr id="5" name="组合 4"/>
-          <p:cNvGrpSpPr/>
-          <p:nvPr/>
-        </p:nvGrpSpPr>
-        <p:grpSpPr>
-          <a:xfrm>
-            <a:off x="645215" y="261588"/>
-            <a:ext cx="3573856" cy="347632"/>
-            <a:chOff x="709386" y="309785"/>
-            <a:chExt cx="2261711" cy="347632"/>
-          </a:xfrm>
-        </p:grpSpPr>
-        <p:sp>
-          <p:nvSpPr>
-            <p:cNvPr id="31" name="文本框 15"/>
-            <p:cNvSpPr txBox="1"/>
-            <p:nvPr/>
-          </p:nvSpPr>
-          <p:spPr>
-            <a:xfrm>
-              <a:off x="709386" y="309785"/>
-              <a:ext cx="2261711" cy="329565"/>
-            </a:xfrm>
-            <a:prstGeom prst="rect">
-              <a:avLst/>
-            </a:prstGeom>
-            <a:noFill/>
-          </p:spPr>
-          <p:txBody>
-            <a:bodyPr wrap="square" lIns="68580" tIns="34290" rIns="68580" bIns="34290" rtlCol="0">
-              <a:spAutoFit/>
-            </a:bodyPr>
-            <a:lstStyle/>
-            <a:p>
-              <a:r>
-                <a:rPr lang="en-US" altLang="zh-CN" sz="1700" b="1" dirty="0">
-                  <a:solidFill>
-                    <a:srgbClr val="1B4367"/>
-                  </a:solidFill>
-                  <a:cs typeface="+mn-ea"/>
-                  <a:sym typeface="+mn-lt"/>
-                </a:rPr>
-                <a:t> </a:t>
-              </a:r>
-              <a:r>
-                <a:rPr lang="zh-CN" altLang="en-US" sz="1700" b="1" dirty="0">
-                  <a:solidFill>
-                    <a:srgbClr val="1B4367"/>
-                  </a:solidFill>
-                  <a:cs typeface="+mn-ea"/>
-                  <a:sym typeface="+mn-lt"/>
-                </a:rPr>
-                <a:t>部署图</a:t>
-              </a:r>
-            </a:p>
-          </p:txBody>
-        </p:sp>
-        <p:cxnSp>
-          <p:nvCxnSpPr>
-            <p:cNvPr id="20" name="直接连接符 19"/>
-            <p:cNvCxnSpPr/>
-            <p:nvPr/>
-          </p:nvCxnSpPr>
-          <p:spPr>
-            <a:xfrm>
-              <a:off x="774478" y="657417"/>
-              <a:ext cx="480259" cy="0"/>
-            </a:xfrm>
-            <a:prstGeom prst="line">
-              <a:avLst/>
-            </a:prstGeom>
-            <a:ln w="9525">
-              <a:solidFill>
-                <a:srgbClr val="1B4367"/>
-              </a:solidFill>
-            </a:ln>
-          </p:spPr>
-          <p:style>
-            <a:lnRef idx="1">
-              <a:schemeClr val="accent1"/>
-            </a:lnRef>
-            <a:fillRef idx="0">
-              <a:schemeClr val="accent1"/>
-            </a:fillRef>
-            <a:effectRef idx="0">
-              <a:schemeClr val="accent1"/>
-            </a:effectRef>
-            <a:fontRef idx="minor">
-              <a:schemeClr val="tx1"/>
-            </a:fontRef>
-          </p:style>
-        </p:cxnSp>
-      </p:grpSp>
-      <p:sp>
-        <p:nvSpPr>
-          <p:cNvPr id="28" name="Rectangle 1"/>
-          <p:cNvSpPr>
-            <a:spLocks noChangeArrowheads="1"/>
-          </p:cNvSpPr>
-          <p:nvPr/>
-        </p:nvSpPr>
-        <p:spPr bwMode="auto">
-          <a:xfrm>
-            <a:off x="1301750" y="1368425"/>
-            <a:ext cx="9144000" cy="0"/>
-          </a:xfrm>
-          <a:prstGeom prst="rect">
-            <a:avLst/>
-          </a:prstGeom>
-          <a:noFill/>
-          <a:ln>
-            <a:noFill/>
-          </a:ln>
-          <a:effectLst/>
-          <a:extLst>
-            <a:ext uri="{909E8E84-426E-40DD-AFC4-6F175D3DCCD1}">
-              <a14:hiddenFill xmlns:a14="http://schemas.microsoft.com/office/drawing/2010/main">
-                <a:solidFill>
-                  <a:schemeClr val="accent1"/>
-                </a:solidFill>
-              </a14:hiddenFill>
-            </a:ext>
-            <a:ext uri="{91240B29-F687-4F45-9708-019B960494DF}">
-              <a14:hiddenLine xmlns:a14="http://schemas.microsoft.com/office/drawing/2010/main" w="9525">
-                <a:solidFill>
-                  <a:schemeClr val="tx1"/>
-                </a:solidFill>
-                <a:miter lim="800000"/>
-                <a:headEnd/>
-                <a:tailEnd/>
-              </a14:hiddenLine>
-            </a:ext>
-            <a:ext uri="{AF507438-7753-43E0-B8FC-AC1667EBCBE1}">
-              <a14:hiddenEffects xmlns:a14="http://schemas.microsoft.com/office/drawing/2010/main">
-                <a:effectLst>
-                  <a:outerShdw dist="35921" dir="2700000" algn="ctr" rotWithShape="0">
-                    <a:schemeClr val="bg2"/>
-                  </a:outerShdw>
-                </a:effectLst>
-              </a14:hiddenEffects>
-            </a:ext>
-          </a:extLst>
-        </p:spPr>
-        <p:txBody>
-          <a:bodyPr vert="horz" wrap="none" lIns="91440" tIns="45720" rIns="91440" bIns="45720" numCol="1" anchor="ctr" anchorCtr="0" compatLnSpc="1">
-            <a:spAutoFit/>
-          </a:bodyPr>
-          <a:lstStyle/>
-          <a:p>
-            <a:pPr marL="0" marR="0" lvl="0" indent="0" algn="l" defTabSz="914400" rtl="0" eaLnBrk="0" fontAlgn="base" latinLnBrk="0" hangingPunct="0">
-              <a:lnSpc>
-                <a:spcPct val="100000"/>
-              </a:lnSpc>
-              <a:spcBef>
-                <a:spcPct val="0"/>
-              </a:spcBef>
-              <a:spcAft>
-                <a:spcPct val="0"/>
-              </a:spcAft>
-              <a:buClrTx/>
-              <a:buSzTx/>
-              <a:buFontTx/>
-              <a:buNone/>
-            </a:pPr>
-            <a:br>
-              <a:rPr kumimoji="0" lang="zh-CN" altLang="zh-CN" sz="1800" b="0" i="0" u="none" strike="noStrike" cap="none" normalizeH="0" baseline="0">
-                <a:ln>
-                  <a:noFill/>
-                </a:ln>
-                <a:solidFill>
-                  <a:schemeClr val="tx1"/>
-                </a:solidFill>
-                <a:effectLst/>
-                <a:latin typeface="Arial" panose="020B0604020202090204" pitchFamily="34" charset="0"/>
-              </a:rPr>
-            </a:br>
-            <a:endParaRPr kumimoji="0" lang="zh-CN" altLang="zh-CN" sz="1800" b="0" i="0" u="none" strike="noStrike" cap="none" normalizeH="0" baseline="0">
-              <a:ln>
-                <a:noFill/>
-              </a:ln>
-              <a:solidFill>
-                <a:schemeClr val="tx1"/>
-              </a:solidFill>
-              <a:effectLst/>
-              <a:latin typeface="Arial" panose="020B0604020202090204" pitchFamily="34" charset="0"/>
-            </a:endParaRPr>
-          </a:p>
-        </p:txBody>
-      </p:sp>
-      <p:pic>
-        <p:nvPicPr>
-          <p:cNvPr id="2" name="图片 1">
-            <a:extLst>
-              <a:ext uri="{FF2B5EF4-FFF2-40B4-BE49-F238E27FC236}">
-                <a16:creationId xmlns:a16="http://schemas.microsoft.com/office/drawing/2014/main" id="{A22DA9F7-8FEA-CB41-BF9B-2056E740F581}"/>
-              </a:ext>
-            </a:extLst>
-          </p:cNvPr>
-          <p:cNvPicPr>
-            <a:picLocks noChangeAspect="1"/>
-          </p:cNvPicPr>
-          <p:nvPr/>
-        </p:nvPicPr>
-        <p:blipFill>
-          <a:blip r:embed="rId3"/>
-          <a:stretch>
-            <a:fillRect/>
-          </a:stretch>
-        </p:blipFill>
-        <p:spPr>
-          <a:xfrm>
-            <a:off x="1506955" y="668967"/>
-            <a:ext cx="6358942" cy="4474533"/>
-          </a:xfrm>
-          <a:prstGeom prst="rect">
-            <a:avLst/>
-          </a:prstGeom>
-        </p:spPr>
-      </p:pic>
-    </p:spTree>
   </p:cSld>
   <p:clrMapOvr>
     <a:masterClrMapping/>
